--- a/Clases software/Unidades3y4.pptx
+++ b/Clases software/Unidades3y4.pptx
@@ -5,25 +5,27 @@
     <p:sldMasterId id="2147483648" r:id="rId1"/>
   </p:sldMasterIdLst>
   <p:handoutMasterIdLst>
-    <p:handoutMasterId r:id="rId18"/>
+    <p:handoutMasterId r:id="rId20"/>
   </p:handoutMasterIdLst>
   <p:sldIdLst>
     <p:sldId id="256" r:id="rId2"/>
     <p:sldId id="258" r:id="rId3"/>
-    <p:sldId id="262" r:id="rId4"/>
-    <p:sldId id="266" r:id="rId5"/>
-    <p:sldId id="265" r:id="rId6"/>
-    <p:sldId id="264" r:id="rId7"/>
-    <p:sldId id="263" r:id="rId8"/>
-    <p:sldId id="267" r:id="rId9"/>
-    <p:sldId id="268" r:id="rId10"/>
-    <p:sldId id="269" r:id="rId11"/>
-    <p:sldId id="270" r:id="rId12"/>
-    <p:sldId id="271" r:id="rId13"/>
-    <p:sldId id="272" r:id="rId14"/>
-    <p:sldId id="273" r:id="rId15"/>
-    <p:sldId id="274" r:id="rId16"/>
-    <p:sldId id="261" r:id="rId17"/>
+    <p:sldId id="275" r:id="rId4"/>
+    <p:sldId id="276" r:id="rId5"/>
+    <p:sldId id="262" r:id="rId6"/>
+    <p:sldId id="266" r:id="rId7"/>
+    <p:sldId id="265" r:id="rId8"/>
+    <p:sldId id="264" r:id="rId9"/>
+    <p:sldId id="263" r:id="rId10"/>
+    <p:sldId id="267" r:id="rId11"/>
+    <p:sldId id="268" r:id="rId12"/>
+    <p:sldId id="269" r:id="rId13"/>
+    <p:sldId id="270" r:id="rId14"/>
+    <p:sldId id="271" r:id="rId15"/>
+    <p:sldId id="272" r:id="rId16"/>
+    <p:sldId id="273" r:id="rId17"/>
+    <p:sldId id="274" r:id="rId18"/>
+    <p:sldId id="261" r:id="rId19"/>
   </p:sldIdLst>
   <p:sldSz cx="12192000" cy="6858000"/>
   <p:notesSz cx="6858000" cy="9144000"/>
@@ -1211,7 +1213,7 @@
           <a:p>
             <a:r>
               <a:rPr lang="es-EC" sz="3200" b="1" dirty="0"/>
-              <a:t>9. Actualización de registros </a:t>
+              <a:t>7. Creación de registros </a:t>
             </a:r>
           </a:p>
         </p:txBody>
@@ -1246,38 +1248,35 @@
           <a:p>
             <a:r>
               <a:rPr lang="es-EC" sz="2000" dirty="0"/>
-              <a:t>Comprende la modificación de la información almacenada en una base de datos.</a:t>
-            </a:r>
-          </a:p>
-          <a:p>
-            <a:r>
-              <a:rPr lang="es-EC" sz="2000" dirty="0"/>
-              <a:t>Debe tenerse en cuenta que si no se logra modificar ningún registro, el resultado no genera un error.</a:t>
-            </a:r>
-          </a:p>
-          <a:p>
-            <a:r>
-              <a:rPr lang="es-EC" sz="2000" dirty="0"/>
-              <a:t>Sin embargo, la cantidad de registros modificados será igual a 0.</a:t>
-            </a:r>
-          </a:p>
-          <a:p>
-            <a:r>
-              <a:rPr lang="es-EC" sz="2000" dirty="0"/>
-              <a:t>En una única sentencia UPDATE se puede modificar varios registros, por lo que debe tenerse extremo cuidado en expresar de forma correcta la condición WHERE.</a:t>
-            </a:r>
-          </a:p>
-          <a:p>
-            <a:endParaRPr lang="es-EC" sz="2000" dirty="0"/>
+              <a:t>La creación de registros comprende el añadir una nueva tabla a la base de datos.</a:t>
+            </a:r>
+          </a:p>
+          <a:p>
+            <a:r>
+              <a:rPr lang="es-EC" sz="2000" dirty="0"/>
+              <a:t>Se debe tener cuidado de no violar la restricción de clave primaria.</a:t>
+            </a:r>
+          </a:p>
+          <a:p>
+            <a:r>
+              <a:rPr lang="es-EC" sz="2000" dirty="0"/>
+              <a:t>Una buena técnica consiste en tomar un campo de la tabla como un número secuencial de incremento automático.</a:t>
+            </a:r>
+          </a:p>
+          <a:p>
+            <a:r>
+              <a:rPr lang="es-EC" sz="2000" dirty="0"/>
+              <a:t>De esta manera cada vez que se cree un registro, el secuencial tomará el valor del último registro sumado en una unidad.</a:t>
+            </a:r>
           </a:p>
         </p:txBody>
       </p:sp>
       <p:pic>
         <p:nvPicPr>
-          <p:cNvPr id="10244" name="Picture 4" descr="Parche Bordado LETRA U">
-            <a:extLst>
-              <a:ext uri="{FF2B5EF4-FFF2-40B4-BE49-F238E27FC236}">
-                <a16:creationId xmlns:a16="http://schemas.microsoft.com/office/drawing/2014/main" id="{BE01234E-DC7A-AA50-D317-C09B1F356866}"/>
+          <p:cNvPr id="7170" name="Picture 2" descr="Alfabetos de presentación: rojo Imán de nevera C | Red refrigerator,  Alphabet, Refrigerator magnets">
+            <a:extLst>
+              <a:ext uri="{FF2B5EF4-FFF2-40B4-BE49-F238E27FC236}">
+                <a16:creationId xmlns:a16="http://schemas.microsoft.com/office/drawing/2014/main" id="{D05DFBE3-2B13-A55F-811E-8D6636C2EDB4}"/>
               </a:ext>
             </a:extLst>
           </p:cNvPr>
@@ -1301,8 +1300,8 @@
         </p:blipFill>
         <p:spPr bwMode="auto">
           <a:xfrm>
-            <a:off x="5018314" y="3737267"/>
-            <a:ext cx="2439696" cy="2439696"/>
+            <a:off x="4827619" y="3918938"/>
+            <a:ext cx="2133834" cy="2258025"/>
           </a:xfrm>
           <a:prstGeom prst="rect">
             <a:avLst/>
@@ -1322,7 +1321,7 @@
     </p:spTree>
     <p:extLst>
       <p:ext uri="{BB962C8B-B14F-4D97-AF65-F5344CB8AC3E}">
-        <p14:creationId xmlns:p14="http://schemas.microsoft.com/office/powerpoint/2010/main" val="1409583814"/>
+        <p14:creationId xmlns:p14="http://schemas.microsoft.com/office/powerpoint/2010/main" val="2348078397"/>
       </p:ext>
     </p:extLst>
   </p:cSld>
@@ -1379,70 +1378,17 @@
           <a:p>
             <a:r>
               <a:rPr lang="es-EC" sz="3200" b="1" dirty="0"/>
-              <a:t>10. Eliminación de registros </a:t>
-            </a:r>
-          </a:p>
-        </p:txBody>
-      </p:sp>
-      <p:sp>
-        <p:nvSpPr>
-          <p:cNvPr id="3" name="Marcador de contenido 2">
-            <a:extLst>
-              <a:ext uri="{FF2B5EF4-FFF2-40B4-BE49-F238E27FC236}">
-                <a16:creationId xmlns:a16="http://schemas.microsoft.com/office/drawing/2014/main" id="{055CBC30-9FA5-4F46-97C3-766A43887EE6}"/>
-              </a:ext>
-            </a:extLst>
-          </p:cNvPr>
-          <p:cNvSpPr>
-            <a:spLocks noGrp="1"/>
-          </p:cNvSpPr>
-          <p:nvPr>
-            <p:ph idx="4294967295"/>
-          </p:nvPr>
-        </p:nvSpPr>
-        <p:spPr>
-          <a:xfrm>
-            <a:off x="492369" y="1825625"/>
-            <a:ext cx="11218985" cy="4351338"/>
-          </a:xfrm>
-        </p:spPr>
-        <p:txBody>
-          <a:bodyPr>
-            <a:normAutofit/>
-          </a:bodyPr>
-          <a:lstStyle/>
-          <a:p>
-            <a:r>
-              <a:rPr lang="es-EC" sz="2000" dirty="0"/>
-              <a:t>Comprende la eliminación física de información de una base de datos.</a:t>
-            </a:r>
-          </a:p>
-          <a:p>
-            <a:r>
-              <a:rPr lang="es-EC" sz="2000" dirty="0"/>
-              <a:t>No es una operación siempre permitida en organizaciones: Auditoría, trazabilidad.</a:t>
-            </a:r>
-          </a:p>
-          <a:p>
-            <a:r>
-              <a:rPr lang="es-EC" sz="2000" dirty="0"/>
-              <a:t>Por lo general, lo que se realiza es colocar una bandera lógica para cada registro de tal manera que si ésta toma un cierto valor tenga significado para el sistema.</a:t>
-            </a:r>
-          </a:p>
-          <a:p>
-            <a:pPr marL="0" indent="0">
-              <a:buNone/>
-            </a:pPr>
-            <a:endParaRPr lang="es-EC" sz="2000" dirty="0"/>
+              <a:t>8. Lectura de registros </a:t>
+            </a:r>
           </a:p>
         </p:txBody>
       </p:sp>
       <p:pic>
         <p:nvPicPr>
-          <p:cNvPr id="9218" name="Picture 2" descr="Letra D Rojo 3d Renderizar Alfabeto Capital Texto Fuente Signo Sobre Fondo  Blanco Foto de stock y más banco de imágenes de Alemania - iStock">
-            <a:extLst>
-              <a:ext uri="{FF2B5EF4-FFF2-40B4-BE49-F238E27FC236}">
-                <a16:creationId xmlns:a16="http://schemas.microsoft.com/office/drawing/2014/main" id="{BC9C19DF-8839-9030-840C-C25CD827E28F}"/>
+          <p:cNvPr id="8198" name="Picture 6" descr="Letra R Alfabeto Color Rojo Alto Res Imágenes De Material Stock de  ilustración - Ilustración de alfabeto, papel: 209991920">
+            <a:extLst>
+              <a:ext uri="{FF2B5EF4-FFF2-40B4-BE49-F238E27FC236}">
+                <a16:creationId xmlns:a16="http://schemas.microsoft.com/office/drawing/2014/main" id="{78AC30F4-BFD1-4C60-140E-E16F76F71EB7}"/>
               </a:ext>
             </a:extLst>
           </p:cNvPr>
@@ -1466,8 +1412,8 @@
         </p:blipFill>
         <p:spPr bwMode="auto">
           <a:xfrm>
-            <a:off x="4551589" y="3223079"/>
-            <a:ext cx="3088821" cy="3088821"/>
+            <a:off x="4505130" y="3697773"/>
+            <a:ext cx="2614127" cy="2614127"/>
           </a:xfrm>
           <a:prstGeom prst="rect">
             <a:avLst/>
@@ -1484,10 +1430,74 @@
           </a:extLst>
         </p:spPr>
       </p:pic>
+      <p:sp>
+        <p:nvSpPr>
+          <p:cNvPr id="3" name="Marcador de contenido 2">
+            <a:extLst>
+              <a:ext uri="{FF2B5EF4-FFF2-40B4-BE49-F238E27FC236}">
+                <a16:creationId xmlns:a16="http://schemas.microsoft.com/office/drawing/2014/main" id="{055CBC30-9FA5-4F46-97C3-766A43887EE6}"/>
+              </a:ext>
+            </a:extLst>
+          </p:cNvPr>
+          <p:cNvSpPr>
+            <a:spLocks noGrp="1"/>
+          </p:cNvSpPr>
+          <p:nvPr>
+            <p:ph idx="4294967295"/>
+          </p:nvPr>
+        </p:nvSpPr>
+        <p:spPr>
+          <a:xfrm>
+            <a:off x="492369" y="1825625"/>
+            <a:ext cx="11218985" cy="4351338"/>
+          </a:xfrm>
+        </p:spPr>
+        <p:txBody>
+          <a:bodyPr>
+            <a:normAutofit/>
+          </a:bodyPr>
+          <a:lstStyle/>
+          <a:p>
+            <a:r>
+              <a:rPr lang="es-EC" sz="2000" dirty="0"/>
+              <a:t>Comprende la obtención de información de la base de datos.</a:t>
+            </a:r>
+          </a:p>
+          <a:p>
+            <a:r>
+              <a:rPr lang="es-EC" sz="2000" dirty="0"/>
+              <a:t>Para ello, los registros debieron ser previamente ingresados ya sea a través de una interfaz gráfica o bien a través de la misma base de datos.</a:t>
+            </a:r>
+          </a:p>
+          <a:p>
+            <a:r>
+              <a:rPr lang="es-EC" sz="2000" dirty="0"/>
+              <a:t>Se pueden obtener estructuras combinadas correspondientes a varias tablas.</a:t>
+            </a:r>
+          </a:p>
+          <a:p>
+            <a:r>
+              <a:rPr lang="es-EC" sz="2000" dirty="0"/>
+              <a:t>Pero también se </a:t>
+            </a:r>
+            <a:r>
+              <a:rPr lang="es-EC" sz="2000" dirty="0" err="1"/>
+              <a:t>puden</a:t>
+            </a:r>
+            <a:r>
+              <a:rPr lang="es-EC" sz="2000" dirty="0"/>
+              <a:t> obtener determinados campos que conforman determinadas columnas de una tabla.</a:t>
+            </a:r>
+          </a:p>
+          <a:p>
+            <a:endParaRPr lang="es-EC" sz="2000" dirty="0"/>
+          </a:p>
+        </p:txBody>
+      </p:sp>
     </p:spTree>
     <p:extLst>
       <p:ext uri="{BB962C8B-B14F-4D97-AF65-F5344CB8AC3E}">
-        <p14:creationId xmlns:p14="http://schemas.microsoft.com/office/powerpoint/2010/main" val="404189749"/>
+        <p14:creationId xmlns:p14="http://schemas.microsoft.com/office/powerpoint/2010/main" val="2377752711"/>
       </p:ext>
     </p:extLst>
   </p:cSld>
@@ -1544,7 +1554,7 @@
           <a:p>
             <a:r>
               <a:rPr lang="es-EC" sz="3200" b="1" dirty="0"/>
-              <a:t>11. Estructuras de datos dinámicas</a:t>
+              <a:t>9. Actualización de registros </a:t>
             </a:r>
           </a:p>
         </p:txBody>
@@ -1578,38 +1588,39 @@
           <a:lstStyle/>
           <a:p>
             <a:r>
-              <a:rPr lang="es-EC" sz="2000" b="1" dirty="0"/>
-              <a:t>Estructuras de datos: </a:t>
-            </a:r>
-            <a:r>
-              <a:rPr lang="es-EC" sz="2000" dirty="0" err="1"/>
-              <a:t>Disposicón</a:t>
-            </a:r>
-            <a:r>
-              <a:rPr lang="es-EC" sz="2000" dirty="0"/>
-              <a:t> que almacena un determinado tipo de dato, pero no se crean con una longitud determinada.</a:t>
-            </a:r>
-          </a:p>
-          <a:p>
-            <a:r>
-              <a:rPr lang="es-EC" sz="2000" dirty="0"/>
-              <a:t>Sobre estas estructuras dinámicas podemos realizar operaciones de añadir y eliminar elementos.</a:t>
-            </a:r>
-          </a:p>
-          <a:p>
-            <a:r>
-              <a:rPr lang="es-EC" sz="2000" dirty="0"/>
-              <a:t>En tiempo de ejecución el sistema operativo gestionará de forma adecuada la memoria a fin de poder manipular la estructura de forma correcta.</a:t>
-            </a:r>
+              <a:rPr lang="es-EC" sz="2000" dirty="0"/>
+              <a:t>Comprende la modificación de la información almacenada en una base de datos.</a:t>
+            </a:r>
+          </a:p>
+          <a:p>
+            <a:r>
+              <a:rPr lang="es-EC" sz="2000" dirty="0"/>
+              <a:t>Debe tenerse en cuenta que si no se logra modificar ningún registro, el resultado no genera un error.</a:t>
+            </a:r>
+          </a:p>
+          <a:p>
+            <a:r>
+              <a:rPr lang="es-EC" sz="2000" dirty="0"/>
+              <a:t>Sin embargo, la cantidad de registros modificados será igual a 0.</a:t>
+            </a:r>
+          </a:p>
+          <a:p>
+            <a:r>
+              <a:rPr lang="es-EC" sz="2000" dirty="0"/>
+              <a:t>En una única sentencia UPDATE se puede modificar varios registros, por lo que debe tenerse extremo cuidado en expresar de forma correcta la condición WHERE.</a:t>
+            </a:r>
+          </a:p>
+          <a:p>
+            <a:endParaRPr lang="es-EC" sz="2000" dirty="0"/>
           </a:p>
         </p:txBody>
       </p:sp>
       <p:pic>
         <p:nvPicPr>
-          <p:cNvPr id="2050" name="Picture 2" descr="Java Collections – mvit-InnovacionTecnológica">
-            <a:extLst>
-              <a:ext uri="{FF2B5EF4-FFF2-40B4-BE49-F238E27FC236}">
-                <a16:creationId xmlns:a16="http://schemas.microsoft.com/office/drawing/2014/main" id="{3844D673-358C-06FF-9999-91A0ED15FE80}"/>
+          <p:cNvPr id="10244" name="Picture 4" descr="Parche Bordado LETRA U">
+            <a:extLst>
+              <a:ext uri="{FF2B5EF4-FFF2-40B4-BE49-F238E27FC236}">
+                <a16:creationId xmlns:a16="http://schemas.microsoft.com/office/drawing/2014/main" id="{BE01234E-DC7A-AA50-D317-C09B1F356866}"/>
               </a:ext>
             </a:extLst>
           </p:cNvPr>
@@ -1633,8 +1644,8 @@
         </p:blipFill>
         <p:spPr bwMode="auto">
           <a:xfrm>
-            <a:off x="3590925" y="3818358"/>
-            <a:ext cx="5010150" cy="2076450"/>
+            <a:off x="5018314" y="3737267"/>
+            <a:ext cx="2439696" cy="2439696"/>
           </a:xfrm>
           <a:prstGeom prst="rect">
             <a:avLst/>
@@ -1654,7 +1665,7 @@
     </p:spTree>
     <p:extLst>
       <p:ext uri="{BB962C8B-B14F-4D97-AF65-F5344CB8AC3E}">
-        <p14:creationId xmlns:p14="http://schemas.microsoft.com/office/powerpoint/2010/main" val="2564302099"/>
+        <p14:creationId xmlns:p14="http://schemas.microsoft.com/office/powerpoint/2010/main" val="1409583814"/>
       </p:ext>
     </p:extLst>
   </p:cSld>
@@ -1711,7 +1722,7 @@
           <a:p>
             <a:r>
               <a:rPr lang="es-EC" sz="3200" b="1" dirty="0"/>
-              <a:t>12. Colecciones</a:t>
+              <a:t>10. Eliminación de registros </a:t>
             </a:r>
           </a:p>
         </p:txBody>
@@ -1746,81 +1757,80 @@
           <a:p>
             <a:r>
               <a:rPr lang="es-EC" sz="2000" dirty="0"/>
-              <a:t>Una colección comprende un conjunto de dos o más elementos.</a:t>
-            </a:r>
-          </a:p>
-          <a:p>
-            <a:r>
-              <a:rPr lang="es-EC" sz="2000" dirty="0"/>
-              <a:t>Pueden ser definidas tradicionalmente a través de vectores y matrices.</a:t>
-            </a:r>
-          </a:p>
-          <a:p>
-            <a:r>
-              <a:rPr lang="es-EC" sz="2000" b="1" dirty="0"/>
-              <a:t>Vector: </a:t>
-            </a:r>
-            <a:r>
-              <a:rPr lang="es-EC" sz="2000" dirty="0"/>
-              <a:t>arreglo </a:t>
-            </a:r>
-            <a:r>
-              <a:rPr lang="es-EC" sz="2000" dirty="0" err="1"/>
-              <a:t>unidimensinal</a:t>
-            </a:r>
-            <a:r>
-              <a:rPr lang="es-EC" sz="2000" dirty="0"/>
-              <a:t>.</a:t>
-            </a:r>
-          </a:p>
-          <a:p>
-            <a:r>
-              <a:rPr lang="es-EC" sz="2000" b="1" dirty="0"/>
-              <a:t>Matriz: </a:t>
-            </a:r>
-            <a:r>
-              <a:rPr lang="es-EC" sz="2000" dirty="0"/>
-              <a:t>arreglo bidimensional.</a:t>
-            </a:r>
-          </a:p>
-          <a:p>
-            <a:r>
-              <a:rPr lang="es-EC" sz="2000" dirty="0"/>
-              <a:t>Sin embargo, este enfoque tradicional está limitado al limitar las dimensiones del arreglo.</a:t>
-            </a:r>
-          </a:p>
-          <a:p>
-            <a:r>
-              <a:rPr lang="es-EC" sz="2000" dirty="0"/>
-              <a:t>Una solución comprende entonces el uso de colecciones dinámicas: </a:t>
-            </a:r>
-            <a:r>
-              <a:rPr lang="es-EC" sz="2000" b="1" dirty="0" err="1"/>
-              <a:t>ArrayList</a:t>
-            </a:r>
-            <a:r>
-              <a:rPr lang="es-EC" sz="2000" b="1" dirty="0"/>
-              <a:t>.</a:t>
-            </a:r>
-          </a:p>
-          <a:p>
-            <a:r>
-              <a:rPr lang="es-EC" sz="2000" dirty="0"/>
-              <a:t>Dentro del arreglo dinámico se podrá almacenar cualquier tipo de dato, incluso objetos.</a:t>
-            </a:r>
-          </a:p>
-          <a:p>
-            <a:r>
-              <a:rPr lang="es-EC" sz="2000" dirty="0"/>
-              <a:t>Sin embargo, en Java los datos deberán ser siempre del mismo tipo. </a:t>
-            </a:r>
+              <a:t>Comprende la eliminación física de información de una base de datos.</a:t>
+            </a:r>
+          </a:p>
+          <a:p>
+            <a:r>
+              <a:rPr lang="es-EC" sz="2000" dirty="0"/>
+              <a:t>No es una operación siempre permitida en organizaciones: Auditoría, trazabilidad.</a:t>
+            </a:r>
+          </a:p>
+          <a:p>
+            <a:r>
+              <a:rPr lang="es-EC" sz="2000" dirty="0"/>
+              <a:t>Por lo general, lo que se realiza es colocar una bandera lógica para cada registro de tal manera que si ésta toma un cierto valor tenga significado para el sistema.</a:t>
+            </a:r>
+          </a:p>
+          <a:p>
+            <a:pPr marL="0" indent="0">
+              <a:buNone/>
+            </a:pPr>
+            <a:endParaRPr lang="es-EC" sz="2000" dirty="0"/>
           </a:p>
         </p:txBody>
       </p:sp>
+      <p:pic>
+        <p:nvPicPr>
+          <p:cNvPr id="9218" name="Picture 2" descr="Letra D Rojo 3d Renderizar Alfabeto Capital Texto Fuente Signo Sobre Fondo  Blanco Foto de stock y más banco de imágenes de Alemania - iStock">
+            <a:extLst>
+              <a:ext uri="{FF2B5EF4-FFF2-40B4-BE49-F238E27FC236}">
+                <a16:creationId xmlns:a16="http://schemas.microsoft.com/office/drawing/2014/main" id="{BC9C19DF-8839-9030-840C-C25CD827E28F}"/>
+              </a:ext>
+            </a:extLst>
+          </p:cNvPr>
+          <p:cNvPicPr>
+            <a:picLocks noChangeAspect="1" noChangeArrowheads="1"/>
+          </p:cNvPicPr>
+          <p:nvPr/>
+        </p:nvPicPr>
+        <p:blipFill>
+          <a:blip r:embed="rId2">
+            <a:extLst>
+              <a:ext uri="{28A0092B-C50C-407E-A947-70E740481C1C}">
+                <a14:useLocalDpi xmlns:a14="http://schemas.microsoft.com/office/drawing/2010/main" val="0"/>
+              </a:ext>
+            </a:extLst>
+          </a:blip>
+          <a:srcRect/>
+          <a:stretch>
+            <a:fillRect/>
+          </a:stretch>
+        </p:blipFill>
+        <p:spPr bwMode="auto">
+          <a:xfrm>
+            <a:off x="4551589" y="3223079"/>
+            <a:ext cx="3088821" cy="3088821"/>
+          </a:xfrm>
+          <a:prstGeom prst="rect">
+            <a:avLst/>
+          </a:prstGeom>
+          <a:noFill/>
+          <a:extLst>
+            <a:ext uri="{909E8E84-426E-40DD-AFC4-6F175D3DCCD1}">
+              <a14:hiddenFill xmlns:a14="http://schemas.microsoft.com/office/drawing/2010/main">
+                <a:solidFill>
+                  <a:srgbClr val="FFFFFF"/>
+                </a:solidFill>
+              </a14:hiddenFill>
+            </a:ext>
+          </a:extLst>
+        </p:spPr>
+      </p:pic>
     </p:spTree>
     <p:extLst>
       <p:ext uri="{BB962C8B-B14F-4D97-AF65-F5344CB8AC3E}">
-        <p14:creationId xmlns:p14="http://schemas.microsoft.com/office/powerpoint/2010/main" val="4146311417"/>
+        <p14:creationId xmlns:p14="http://schemas.microsoft.com/office/powerpoint/2010/main" val="404189749"/>
       </p:ext>
     </p:extLst>
   </p:cSld>
@@ -1877,7 +1887,7 @@
           <a:p>
             <a:r>
               <a:rPr lang="es-EC" sz="3200" b="1" dirty="0"/>
-              <a:t>12. Sentencias de control</a:t>
+              <a:t>11. Estructuras de datos dinámicas</a:t>
             </a:r>
           </a:p>
         </p:txBody>
@@ -1911,60 +1921,38 @@
           <a:lstStyle/>
           <a:p>
             <a:r>
-              <a:rPr lang="es-EC" sz="2000" dirty="0"/>
-              <a:t>Existen sentencias de control especializadas que pueden ser empleadas para recorrer una colección, como por ejemplo vectores, matrices y arreglos dinámicos.</a:t>
-            </a:r>
-          </a:p>
-          <a:p>
-            <a:r>
-              <a:rPr lang="es-EC" sz="2000" dirty="0"/>
-              <a:t>Por cada elemento que conforma la colección, una iteración del bucle va a permitir la gestión de dicho elemento para dar solución a un problema específico.</a:t>
-            </a:r>
-          </a:p>
-          <a:p>
-            <a:r>
-              <a:rPr lang="es-EC" sz="2000" dirty="0"/>
-              <a:t>Este mecanismo ofrece cierta flexibilidad sobre el uso de sentencias de control tradicionales como un bucle </a:t>
+              <a:rPr lang="es-EC" sz="2000" b="1" dirty="0"/>
+              <a:t>Estructuras de datos: </a:t>
             </a:r>
             <a:r>
               <a:rPr lang="es-EC" sz="2000" dirty="0" err="1"/>
-              <a:t>while</a:t>
-            </a:r>
-            <a:r>
-              <a:rPr lang="es-EC" sz="2000" dirty="0"/>
-              <a:t>, un bucle do-</a:t>
-            </a:r>
-            <a:r>
-              <a:rPr lang="es-EC" sz="2000" dirty="0" err="1"/>
-              <a:t>while</a:t>
-            </a:r>
-            <a:r>
-              <a:rPr lang="es-EC" sz="2000" dirty="0"/>
-              <a:t> e incluso el mismo bucle </a:t>
-            </a:r>
-            <a:r>
-              <a:rPr lang="es-EC" sz="2000" dirty="0" err="1"/>
-              <a:t>for</a:t>
-            </a:r>
-            <a:r>
-              <a:rPr lang="es-EC" sz="2000" dirty="0"/>
-              <a:t>.</a:t>
-            </a:r>
-          </a:p>
-          <a:p>
-            <a:r>
-              <a:rPr lang="es-EC" sz="2000" dirty="0"/>
-              <a:t>Sin embargo, debe notarse que los bucles tradicionales también son útiles y pueden cumplir el mismo propósito aunque con un mayor esfuerzo de implementación.</a:t>
+              <a:t>Disposicón</a:t>
+            </a:r>
+            <a:r>
+              <a:rPr lang="es-EC" sz="2000" dirty="0"/>
+              <a:t> que almacena un determinado tipo de dato, pero no se crean con una longitud determinada.</a:t>
+            </a:r>
+          </a:p>
+          <a:p>
+            <a:r>
+              <a:rPr lang="es-EC" sz="2000" dirty="0"/>
+              <a:t>Sobre estas estructuras dinámicas podemos realizar operaciones de añadir y eliminar elementos.</a:t>
+            </a:r>
+          </a:p>
+          <a:p>
+            <a:r>
+              <a:rPr lang="es-EC" sz="2000" dirty="0"/>
+              <a:t>En tiempo de ejecución el sistema operativo gestionará de forma adecuada la memoria a fin de poder manipular la estructura de forma correcta.</a:t>
             </a:r>
           </a:p>
         </p:txBody>
       </p:sp>
       <p:pic>
         <p:nvPicPr>
-          <p:cNvPr id="3074" name="Picture 2" descr="Java Foreach • Einfach erklärt mit Beispielen · [mit Video]">
-            <a:extLst>
-              <a:ext uri="{FF2B5EF4-FFF2-40B4-BE49-F238E27FC236}">
-                <a16:creationId xmlns:a16="http://schemas.microsoft.com/office/drawing/2014/main" id="{CF6F2BC2-1CBF-0161-4F27-D334E91CEE51}"/>
+          <p:cNvPr id="2050" name="Picture 2" descr="Java Collections – mvit-InnovacionTecnológica">
+            <a:extLst>
+              <a:ext uri="{FF2B5EF4-FFF2-40B4-BE49-F238E27FC236}">
+                <a16:creationId xmlns:a16="http://schemas.microsoft.com/office/drawing/2014/main" id="{3844D673-358C-06FF-9999-91A0ED15FE80}"/>
               </a:ext>
             </a:extLst>
           </p:cNvPr>
@@ -1988,8 +1976,8 @@
         </p:blipFill>
         <p:spPr bwMode="auto">
           <a:xfrm>
-            <a:off x="4683968" y="4633813"/>
-            <a:ext cx="3788229" cy="2130879"/>
+            <a:off x="3590925" y="3818358"/>
+            <a:ext cx="5010150" cy="2076450"/>
           </a:xfrm>
           <a:prstGeom prst="rect">
             <a:avLst/>
@@ -2009,7 +1997,7 @@
     </p:spTree>
     <p:extLst>
       <p:ext uri="{BB962C8B-B14F-4D97-AF65-F5344CB8AC3E}">
-        <p14:creationId xmlns:p14="http://schemas.microsoft.com/office/powerpoint/2010/main" val="811173803"/>
+        <p14:creationId xmlns:p14="http://schemas.microsoft.com/office/powerpoint/2010/main" val="2564302099"/>
       </p:ext>
     </p:extLst>
   </p:cSld>
@@ -2066,6 +2054,361 @@
           <a:p>
             <a:r>
               <a:rPr lang="es-EC" sz="3200" b="1" dirty="0"/>
+              <a:t>12. Colecciones</a:t>
+            </a:r>
+          </a:p>
+        </p:txBody>
+      </p:sp>
+      <p:sp>
+        <p:nvSpPr>
+          <p:cNvPr id="3" name="Marcador de contenido 2">
+            <a:extLst>
+              <a:ext uri="{FF2B5EF4-FFF2-40B4-BE49-F238E27FC236}">
+                <a16:creationId xmlns:a16="http://schemas.microsoft.com/office/drawing/2014/main" id="{055CBC30-9FA5-4F46-97C3-766A43887EE6}"/>
+              </a:ext>
+            </a:extLst>
+          </p:cNvPr>
+          <p:cNvSpPr>
+            <a:spLocks noGrp="1"/>
+          </p:cNvSpPr>
+          <p:nvPr>
+            <p:ph idx="4294967295"/>
+          </p:nvPr>
+        </p:nvSpPr>
+        <p:spPr>
+          <a:xfrm>
+            <a:off x="492369" y="1825625"/>
+            <a:ext cx="11218985" cy="4351338"/>
+          </a:xfrm>
+        </p:spPr>
+        <p:txBody>
+          <a:bodyPr>
+            <a:normAutofit/>
+          </a:bodyPr>
+          <a:lstStyle/>
+          <a:p>
+            <a:r>
+              <a:rPr lang="es-EC" sz="2000" dirty="0"/>
+              <a:t>Una colección comprende un conjunto de dos o más elementos.</a:t>
+            </a:r>
+          </a:p>
+          <a:p>
+            <a:r>
+              <a:rPr lang="es-EC" sz="2000" dirty="0"/>
+              <a:t>Pueden ser definidas tradicionalmente a través de vectores y matrices.</a:t>
+            </a:r>
+          </a:p>
+          <a:p>
+            <a:r>
+              <a:rPr lang="es-EC" sz="2000" b="1" dirty="0"/>
+              <a:t>Vector: </a:t>
+            </a:r>
+            <a:r>
+              <a:rPr lang="es-EC" sz="2000" dirty="0"/>
+              <a:t>arreglo </a:t>
+            </a:r>
+            <a:r>
+              <a:rPr lang="es-EC" sz="2000" dirty="0" err="1"/>
+              <a:t>unidimensinal</a:t>
+            </a:r>
+            <a:r>
+              <a:rPr lang="es-EC" sz="2000" dirty="0"/>
+              <a:t>.</a:t>
+            </a:r>
+          </a:p>
+          <a:p>
+            <a:r>
+              <a:rPr lang="es-EC" sz="2000" b="1" dirty="0"/>
+              <a:t>Matriz: </a:t>
+            </a:r>
+            <a:r>
+              <a:rPr lang="es-EC" sz="2000" dirty="0"/>
+              <a:t>arreglo bidimensional.</a:t>
+            </a:r>
+          </a:p>
+          <a:p>
+            <a:r>
+              <a:rPr lang="es-EC" sz="2000" dirty="0"/>
+              <a:t>Sin embargo, este enfoque tradicional está limitado al limitar las dimensiones del arreglo.</a:t>
+            </a:r>
+          </a:p>
+          <a:p>
+            <a:r>
+              <a:rPr lang="es-EC" sz="2000" dirty="0"/>
+              <a:t>Una solución comprende entonces el uso de colecciones dinámicas: </a:t>
+            </a:r>
+            <a:r>
+              <a:rPr lang="es-EC" sz="2000" b="1" dirty="0" err="1"/>
+              <a:t>ArrayList</a:t>
+            </a:r>
+            <a:r>
+              <a:rPr lang="es-EC" sz="2000" b="1" dirty="0"/>
+              <a:t>.</a:t>
+            </a:r>
+          </a:p>
+          <a:p>
+            <a:r>
+              <a:rPr lang="es-EC" sz="2000" dirty="0"/>
+              <a:t>Dentro del arreglo dinámico se podrá almacenar cualquier tipo de dato, incluso objetos.</a:t>
+            </a:r>
+          </a:p>
+          <a:p>
+            <a:r>
+              <a:rPr lang="es-EC" sz="2000" dirty="0"/>
+              <a:t>Sin embargo, en Java los datos deberán ser siempre del mismo tipo. </a:t>
+            </a:r>
+          </a:p>
+        </p:txBody>
+      </p:sp>
+    </p:spTree>
+    <p:extLst>
+      <p:ext uri="{BB962C8B-B14F-4D97-AF65-F5344CB8AC3E}">
+        <p14:creationId xmlns:p14="http://schemas.microsoft.com/office/powerpoint/2010/main" val="4146311417"/>
+      </p:ext>
+    </p:extLst>
+  </p:cSld>
+  <p:clrMapOvr>
+    <a:masterClrMapping/>
+  </p:clrMapOvr>
+</p:sld>
+</file>
+
+<file path=ppt/slides/slide16.xml><?xml version="1.0" encoding="utf-8"?>
+<p:sld xmlns:a="http://schemas.openxmlformats.org/drawingml/2006/main" xmlns:r="http://schemas.openxmlformats.org/officeDocument/2006/relationships" xmlns:p="http://schemas.openxmlformats.org/presentationml/2006/main">
+  <p:cSld>
+    <p:spTree>
+      <p:nvGrpSpPr>
+        <p:cNvPr id="1" name=""/>
+        <p:cNvGrpSpPr/>
+        <p:nvPr/>
+      </p:nvGrpSpPr>
+      <p:grpSpPr>
+        <a:xfrm>
+          <a:off x="0" y="0"/>
+          <a:ext cx="0" cy="0"/>
+          <a:chOff x="0" y="0"/>
+          <a:chExt cx="0" cy="0"/>
+        </a:xfrm>
+      </p:grpSpPr>
+      <p:sp>
+        <p:nvSpPr>
+          <p:cNvPr id="2" name="Título 1">
+            <a:extLst>
+              <a:ext uri="{FF2B5EF4-FFF2-40B4-BE49-F238E27FC236}">
+                <a16:creationId xmlns:a16="http://schemas.microsoft.com/office/drawing/2014/main" id="{B8ABAACC-5240-4E68-A4E9-ACA6E7A4B0A2}"/>
+              </a:ext>
+            </a:extLst>
+          </p:cNvPr>
+          <p:cNvSpPr>
+            <a:spLocks noGrp="1"/>
+          </p:cNvSpPr>
+          <p:nvPr>
+            <p:ph type="title" idx="4294967295"/>
+          </p:nvPr>
+        </p:nvSpPr>
+        <p:spPr>
+          <a:xfrm>
+            <a:off x="492369" y="1395046"/>
+            <a:ext cx="11218985" cy="295642"/>
+          </a:xfrm>
+        </p:spPr>
+        <p:txBody>
+          <a:bodyPr>
+            <a:noAutofit/>
+          </a:bodyPr>
+          <a:lstStyle/>
+          <a:p>
+            <a:r>
+              <a:rPr lang="es-EC" sz="3200" b="1" dirty="0"/>
+              <a:t>12. Sentencias de control</a:t>
+            </a:r>
+          </a:p>
+        </p:txBody>
+      </p:sp>
+      <p:sp>
+        <p:nvSpPr>
+          <p:cNvPr id="3" name="Marcador de contenido 2">
+            <a:extLst>
+              <a:ext uri="{FF2B5EF4-FFF2-40B4-BE49-F238E27FC236}">
+                <a16:creationId xmlns:a16="http://schemas.microsoft.com/office/drawing/2014/main" id="{055CBC30-9FA5-4F46-97C3-766A43887EE6}"/>
+              </a:ext>
+            </a:extLst>
+          </p:cNvPr>
+          <p:cNvSpPr>
+            <a:spLocks noGrp="1"/>
+          </p:cNvSpPr>
+          <p:nvPr>
+            <p:ph idx="4294967295"/>
+          </p:nvPr>
+        </p:nvSpPr>
+        <p:spPr>
+          <a:xfrm>
+            <a:off x="492369" y="1825625"/>
+            <a:ext cx="11218985" cy="4351338"/>
+          </a:xfrm>
+        </p:spPr>
+        <p:txBody>
+          <a:bodyPr>
+            <a:normAutofit/>
+          </a:bodyPr>
+          <a:lstStyle/>
+          <a:p>
+            <a:r>
+              <a:rPr lang="es-EC" sz="2000" dirty="0"/>
+              <a:t>Existen sentencias de control especializadas que pueden ser empleadas para recorrer una colección, como por ejemplo vectores, matrices y arreglos dinámicos.</a:t>
+            </a:r>
+          </a:p>
+          <a:p>
+            <a:r>
+              <a:rPr lang="es-EC" sz="2000" dirty="0"/>
+              <a:t>Por cada elemento que conforma la colección, una iteración del bucle va a permitir la gestión de dicho elemento para dar solución a un problema específico.</a:t>
+            </a:r>
+          </a:p>
+          <a:p>
+            <a:r>
+              <a:rPr lang="es-EC" sz="2000" dirty="0"/>
+              <a:t>Este mecanismo ofrece cierta flexibilidad sobre el uso de sentencias de control tradicionales como un bucle </a:t>
+            </a:r>
+            <a:r>
+              <a:rPr lang="es-EC" sz="2000" dirty="0" err="1"/>
+              <a:t>while</a:t>
+            </a:r>
+            <a:r>
+              <a:rPr lang="es-EC" sz="2000" dirty="0"/>
+              <a:t>, un bucle do-</a:t>
+            </a:r>
+            <a:r>
+              <a:rPr lang="es-EC" sz="2000" dirty="0" err="1"/>
+              <a:t>while</a:t>
+            </a:r>
+            <a:r>
+              <a:rPr lang="es-EC" sz="2000" dirty="0"/>
+              <a:t> e incluso el mismo bucle </a:t>
+            </a:r>
+            <a:r>
+              <a:rPr lang="es-EC" sz="2000" dirty="0" err="1"/>
+              <a:t>for</a:t>
+            </a:r>
+            <a:r>
+              <a:rPr lang="es-EC" sz="2000" dirty="0"/>
+              <a:t>.</a:t>
+            </a:r>
+          </a:p>
+          <a:p>
+            <a:r>
+              <a:rPr lang="es-EC" sz="2000" dirty="0"/>
+              <a:t>Sin embargo, debe notarse que los bucles tradicionales también son útiles y pueden cumplir el mismo propósito aunque con un mayor esfuerzo de implementación.</a:t>
+            </a:r>
+          </a:p>
+        </p:txBody>
+      </p:sp>
+      <p:pic>
+        <p:nvPicPr>
+          <p:cNvPr id="3074" name="Picture 2" descr="Java Foreach • Einfach erklärt mit Beispielen · [mit Video]">
+            <a:extLst>
+              <a:ext uri="{FF2B5EF4-FFF2-40B4-BE49-F238E27FC236}">
+                <a16:creationId xmlns:a16="http://schemas.microsoft.com/office/drawing/2014/main" id="{CF6F2BC2-1CBF-0161-4F27-D334E91CEE51}"/>
+              </a:ext>
+            </a:extLst>
+          </p:cNvPr>
+          <p:cNvPicPr>
+            <a:picLocks noChangeAspect="1" noChangeArrowheads="1"/>
+          </p:cNvPicPr>
+          <p:nvPr/>
+        </p:nvPicPr>
+        <p:blipFill>
+          <a:blip r:embed="rId2">
+            <a:extLst>
+              <a:ext uri="{28A0092B-C50C-407E-A947-70E740481C1C}">
+                <a14:useLocalDpi xmlns:a14="http://schemas.microsoft.com/office/drawing/2010/main" val="0"/>
+              </a:ext>
+            </a:extLst>
+          </a:blip>
+          <a:srcRect/>
+          <a:stretch>
+            <a:fillRect/>
+          </a:stretch>
+        </p:blipFill>
+        <p:spPr bwMode="auto">
+          <a:xfrm>
+            <a:off x="4683968" y="4633813"/>
+            <a:ext cx="3788229" cy="2130879"/>
+          </a:xfrm>
+          <a:prstGeom prst="rect">
+            <a:avLst/>
+          </a:prstGeom>
+          <a:noFill/>
+          <a:extLst>
+            <a:ext uri="{909E8E84-426E-40DD-AFC4-6F175D3DCCD1}">
+              <a14:hiddenFill xmlns:a14="http://schemas.microsoft.com/office/drawing/2010/main">
+                <a:solidFill>
+                  <a:srgbClr val="FFFFFF"/>
+                </a:solidFill>
+              </a14:hiddenFill>
+            </a:ext>
+          </a:extLst>
+        </p:spPr>
+      </p:pic>
+    </p:spTree>
+    <p:extLst>
+      <p:ext uri="{BB962C8B-B14F-4D97-AF65-F5344CB8AC3E}">
+        <p14:creationId xmlns:p14="http://schemas.microsoft.com/office/powerpoint/2010/main" val="811173803"/>
+      </p:ext>
+    </p:extLst>
+  </p:cSld>
+  <p:clrMapOvr>
+    <a:masterClrMapping/>
+  </p:clrMapOvr>
+</p:sld>
+</file>
+
+<file path=ppt/slides/slide17.xml><?xml version="1.0" encoding="utf-8"?>
+<p:sld xmlns:a="http://schemas.openxmlformats.org/drawingml/2006/main" xmlns:r="http://schemas.openxmlformats.org/officeDocument/2006/relationships" xmlns:p="http://schemas.openxmlformats.org/presentationml/2006/main">
+  <p:cSld>
+    <p:spTree>
+      <p:nvGrpSpPr>
+        <p:cNvPr id="1" name=""/>
+        <p:cNvGrpSpPr/>
+        <p:nvPr/>
+      </p:nvGrpSpPr>
+      <p:grpSpPr>
+        <a:xfrm>
+          <a:off x="0" y="0"/>
+          <a:ext cx="0" cy="0"/>
+          <a:chOff x="0" y="0"/>
+          <a:chExt cx="0" cy="0"/>
+        </a:xfrm>
+      </p:grpSpPr>
+      <p:sp>
+        <p:nvSpPr>
+          <p:cNvPr id="2" name="Título 1">
+            <a:extLst>
+              <a:ext uri="{FF2B5EF4-FFF2-40B4-BE49-F238E27FC236}">
+                <a16:creationId xmlns:a16="http://schemas.microsoft.com/office/drawing/2014/main" id="{B8ABAACC-5240-4E68-A4E9-ACA6E7A4B0A2}"/>
+              </a:ext>
+            </a:extLst>
+          </p:cNvPr>
+          <p:cNvSpPr>
+            <a:spLocks noGrp="1"/>
+          </p:cNvSpPr>
+          <p:nvPr>
+            <p:ph type="title" idx="4294967295"/>
+          </p:nvPr>
+        </p:nvSpPr>
+        <p:spPr>
+          <a:xfrm>
+            <a:off x="492369" y="1395046"/>
+            <a:ext cx="11218985" cy="295642"/>
+          </a:xfrm>
+        </p:spPr>
+        <p:txBody>
+          <a:bodyPr>
+            <a:noAutofit/>
+          </a:bodyPr>
+          <a:lstStyle/>
+          <a:p>
+            <a:r>
+              <a:rPr lang="es-EC" sz="3200" b="1" dirty="0"/>
               <a:t>13. Manejo de excepciones</a:t>
             </a:r>
           </a:p>
@@ -2222,7 +2565,7 @@
 </p:sld>
 </file>
 
-<file path=ppt/slides/slide16.xml><?xml version="1.0" encoding="utf-8"?>
+<file path=ppt/slides/slide18.xml><?xml version="1.0" encoding="utf-8"?>
 <p:sld xmlns:a="http://schemas.openxmlformats.org/drawingml/2006/main" xmlns:r="http://schemas.openxmlformats.org/officeDocument/2006/relationships" xmlns:p="http://schemas.openxmlformats.org/presentationml/2006/main">
   <p:cSld>
     <p:spTree>
@@ -2437,237 +2780,40 @@
           <a:chExt cx="0" cy="0"/>
         </a:xfrm>
       </p:grpSpPr>
-      <p:sp>
-        <p:nvSpPr>
-          <p:cNvPr id="2" name="Título 1">
-            <a:extLst>
-              <a:ext uri="{FF2B5EF4-FFF2-40B4-BE49-F238E27FC236}">
-                <a16:creationId xmlns:a16="http://schemas.microsoft.com/office/drawing/2014/main" id="{B8ABAACC-5240-4E68-A4E9-ACA6E7A4B0A2}"/>
-              </a:ext>
-            </a:extLst>
-          </p:cNvPr>
-          <p:cNvSpPr>
-            <a:spLocks noGrp="1"/>
-          </p:cNvSpPr>
-          <p:nvPr>
-            <p:ph type="title" idx="4294967295"/>
-          </p:nvPr>
-        </p:nvSpPr>
-        <p:spPr>
-          <a:xfrm>
-            <a:off x="492369" y="1395046"/>
-            <a:ext cx="11218985" cy="295642"/>
-          </a:xfrm>
-        </p:spPr>
-        <p:txBody>
-          <a:bodyPr>
-            <a:noAutofit/>
-          </a:bodyPr>
-          <a:lstStyle/>
-          <a:p>
-            <a:r>
-              <a:rPr lang="es-EC" sz="3200" b="1" dirty="0"/>
-              <a:t>2. Fundamentos de Sistemas Gestores de Bases de Datos</a:t>
-            </a:r>
-          </a:p>
-        </p:txBody>
-      </p:sp>
-      <p:sp>
-        <p:nvSpPr>
-          <p:cNvPr id="3" name="Marcador de contenido 2">
-            <a:extLst>
-              <a:ext uri="{FF2B5EF4-FFF2-40B4-BE49-F238E27FC236}">
-                <a16:creationId xmlns:a16="http://schemas.microsoft.com/office/drawing/2014/main" id="{055CBC30-9FA5-4F46-97C3-766A43887EE6}"/>
-              </a:ext>
-            </a:extLst>
-          </p:cNvPr>
-          <p:cNvSpPr>
-            <a:spLocks noGrp="1"/>
-          </p:cNvSpPr>
-          <p:nvPr>
-            <p:ph idx="4294967295"/>
-          </p:nvPr>
-        </p:nvSpPr>
-        <p:spPr>
-          <a:xfrm>
-            <a:off x="492369" y="1825625"/>
-            <a:ext cx="11218985" cy="4351338"/>
-          </a:xfrm>
-        </p:spPr>
-        <p:txBody>
-          <a:bodyPr>
-            <a:normAutofit/>
-          </a:bodyPr>
-          <a:lstStyle/>
-          <a:p>
-            <a:r>
-              <a:rPr lang="es-EC" sz="2000" dirty="0"/>
-              <a:t>Existen en el mercado varios sistemas gestores de bases de datos.</a:t>
-            </a:r>
-          </a:p>
-          <a:p>
-            <a:r>
-              <a:rPr lang="es-EC" sz="2000" dirty="0"/>
-              <a:t>Mientras algunos son open </a:t>
-            </a:r>
-            <a:r>
-              <a:rPr lang="es-EC" sz="2000" dirty="0" err="1"/>
-              <a:t>source</a:t>
-            </a:r>
-            <a:r>
-              <a:rPr lang="es-EC" sz="2000" dirty="0"/>
-              <a:t> otros son privativos.</a:t>
-            </a:r>
-          </a:p>
-          <a:p>
-            <a:r>
-              <a:rPr lang="es-EC" sz="2000" dirty="0"/>
-              <a:t>Mientras algunos tienen costo otros son gratuitos.</a:t>
-            </a:r>
-          </a:p>
-          <a:p>
-            <a:r>
-              <a:rPr lang="es-EC" sz="2000" dirty="0"/>
-              <a:t>Al elegir un sistema gestor de bases de datos debe tenerse muy en cuenta el soporte técnico y el </a:t>
-            </a:r>
-            <a:r>
-              <a:rPr lang="es-EC" sz="2000" dirty="0" err="1"/>
-              <a:t>background</a:t>
-            </a:r>
-            <a:r>
-              <a:rPr lang="es-EC" sz="2000" dirty="0"/>
-              <a:t> del equipo humano con el que se cuenta.</a:t>
-            </a:r>
-          </a:p>
-          <a:p>
-            <a:r>
-              <a:rPr lang="es-EC" sz="2000" b="1" dirty="0"/>
-              <a:t>SGBD relacionales: </a:t>
-            </a:r>
-            <a:r>
-              <a:rPr lang="es-EC" sz="2000" dirty="0"/>
-              <a:t>MySQL, SQL Server, Oracle, PostgreSQL, SQLite, IBM Db2, </a:t>
-            </a:r>
-            <a:r>
-              <a:rPr lang="es-EC" sz="2000" dirty="0" err="1"/>
-              <a:t>Maria</a:t>
-            </a:r>
-            <a:r>
-              <a:rPr lang="es-EC" sz="2000" dirty="0"/>
-              <a:t> DB.</a:t>
-            </a:r>
-          </a:p>
-          <a:p>
-            <a:r>
-              <a:rPr lang="es-EC" sz="2000" b="1" dirty="0"/>
-              <a:t>SGBD no relacionales: </a:t>
-            </a:r>
-            <a:r>
-              <a:rPr lang="es-EC" sz="2000" dirty="0"/>
-              <a:t>MongoDB, </a:t>
-            </a:r>
-            <a:r>
-              <a:rPr lang="es-EC" sz="2000" dirty="0" err="1"/>
-              <a:t>Cassandra</a:t>
-            </a:r>
-            <a:r>
-              <a:rPr lang="es-EC" sz="2000" dirty="0"/>
-              <a:t>, </a:t>
-            </a:r>
-            <a:r>
-              <a:rPr lang="es-EC" sz="2000" dirty="0" err="1"/>
-              <a:t>Reddis</a:t>
-            </a:r>
-            <a:r>
-              <a:rPr lang="es-EC" sz="2000" dirty="0"/>
-              <a:t>, </a:t>
-            </a:r>
-            <a:r>
-              <a:rPr lang="es-EC" sz="2000" dirty="0" err="1"/>
-              <a:t>CouchDB</a:t>
-            </a:r>
-            <a:r>
-              <a:rPr lang="es-EC" sz="2000" dirty="0"/>
-              <a:t>, Neo4j, Amazon </a:t>
-            </a:r>
-            <a:r>
-              <a:rPr lang="es-EC" sz="2000" dirty="0" err="1"/>
-              <a:t>DynamoDB</a:t>
-            </a:r>
-            <a:r>
-              <a:rPr lang="es-EC" sz="2000" dirty="0"/>
-              <a:t>, </a:t>
-            </a:r>
-            <a:r>
-              <a:rPr lang="es-EC" sz="2000" dirty="0" err="1"/>
-              <a:t>HBase</a:t>
-            </a:r>
-            <a:r>
-              <a:rPr lang="es-EC" sz="2000" dirty="0"/>
-              <a:t>, </a:t>
-            </a:r>
-            <a:r>
-              <a:rPr lang="es-EC" sz="2000" dirty="0" err="1"/>
-              <a:t>Riak</a:t>
-            </a:r>
-            <a:r>
-              <a:rPr lang="es-EC" sz="2000" dirty="0"/>
-              <a:t>.</a:t>
-            </a:r>
-          </a:p>
-        </p:txBody>
-      </p:sp>
       <p:pic>
         <p:nvPicPr>
-          <p:cNvPr id="6146" name="Picture 2" descr="Capítulo 2 Base de Datos | Base de Datos">
-            <a:extLst>
-              <a:ext uri="{FF2B5EF4-FFF2-40B4-BE49-F238E27FC236}">
-                <a16:creationId xmlns:a16="http://schemas.microsoft.com/office/drawing/2014/main" id="{07539A12-9B22-2EDA-1126-B0F867C8154D}"/>
+          <p:cNvPr id="3" name="Imagen 2">
+            <a:extLst>
+              <a:ext uri="{FF2B5EF4-FFF2-40B4-BE49-F238E27FC236}">
+                <a16:creationId xmlns:a16="http://schemas.microsoft.com/office/drawing/2014/main" id="{DC767367-3DC2-69D7-B4F0-882A5789570D}"/>
               </a:ext>
             </a:extLst>
           </p:cNvPr>
           <p:cNvPicPr>
-            <a:picLocks noChangeAspect="1" noChangeArrowheads="1"/>
+            <a:picLocks noChangeAspect="1"/>
           </p:cNvPicPr>
           <p:nvPr/>
         </p:nvPicPr>
         <p:blipFill>
-          <a:blip r:embed="rId2">
-            <a:extLst>
-              <a:ext uri="{28A0092B-C50C-407E-A947-70E740481C1C}">
-                <a14:useLocalDpi xmlns:a14="http://schemas.microsoft.com/office/drawing/2010/main" val="0"/>
-              </a:ext>
-            </a:extLst>
-          </a:blip>
-          <a:srcRect/>
+          <a:blip r:embed="rId2"/>
           <a:stretch>
             <a:fillRect/>
           </a:stretch>
         </p:blipFill>
-        <p:spPr bwMode="auto">
-          <a:xfrm>
-            <a:off x="4687569" y="4581331"/>
-            <a:ext cx="2816861" cy="1502326"/>
+        <p:spPr>
+          <a:xfrm>
+            <a:off x="0" y="269875"/>
+            <a:ext cx="12192000" cy="6318250"/>
           </a:xfrm>
           <a:prstGeom prst="rect">
             <a:avLst/>
           </a:prstGeom>
-          <a:noFill/>
-          <a:extLst>
-            <a:ext uri="{909E8E84-426E-40DD-AFC4-6F175D3DCCD1}">
-              <a14:hiddenFill xmlns:a14="http://schemas.microsoft.com/office/drawing/2010/main">
-                <a:solidFill>
-                  <a:srgbClr val="FFFFFF"/>
-                </a:solidFill>
-              </a14:hiddenFill>
-            </a:ext>
-          </a:extLst>
         </p:spPr>
       </p:pic>
     </p:spTree>
     <p:extLst>
       <p:ext uri="{BB962C8B-B14F-4D97-AF65-F5344CB8AC3E}">
-        <p14:creationId xmlns:p14="http://schemas.microsoft.com/office/powerpoint/2010/main" val="1049981516"/>
+        <p14:creationId xmlns:p14="http://schemas.microsoft.com/office/powerpoint/2010/main" val="1613690714"/>
       </p:ext>
     </p:extLst>
   </p:cSld>
@@ -2694,163 +2840,40 @@
           <a:chExt cx="0" cy="0"/>
         </a:xfrm>
       </p:grpSpPr>
-      <p:sp>
-        <p:nvSpPr>
-          <p:cNvPr id="2" name="Título 1">
-            <a:extLst>
-              <a:ext uri="{FF2B5EF4-FFF2-40B4-BE49-F238E27FC236}">
-                <a16:creationId xmlns:a16="http://schemas.microsoft.com/office/drawing/2014/main" id="{B8ABAACC-5240-4E68-A4E9-ACA6E7A4B0A2}"/>
-              </a:ext>
-            </a:extLst>
-          </p:cNvPr>
-          <p:cNvSpPr>
-            <a:spLocks noGrp="1"/>
-          </p:cNvSpPr>
-          <p:nvPr>
-            <p:ph type="title" idx="4294967295"/>
-          </p:nvPr>
-        </p:nvSpPr>
-        <p:spPr>
-          <a:xfrm>
-            <a:off x="492369" y="1395046"/>
-            <a:ext cx="11218985" cy="295642"/>
-          </a:xfrm>
-        </p:spPr>
-        <p:txBody>
-          <a:bodyPr>
-            <a:noAutofit/>
-          </a:bodyPr>
-          <a:lstStyle/>
-          <a:p>
-            <a:r>
-              <a:rPr lang="es-EC" sz="3200" b="1" dirty="0"/>
-              <a:t>3. Introducción al lenguaje SQL</a:t>
-            </a:r>
-          </a:p>
-        </p:txBody>
-      </p:sp>
-      <p:sp>
-        <p:nvSpPr>
-          <p:cNvPr id="3" name="Marcador de contenido 2">
-            <a:extLst>
-              <a:ext uri="{FF2B5EF4-FFF2-40B4-BE49-F238E27FC236}">
-                <a16:creationId xmlns:a16="http://schemas.microsoft.com/office/drawing/2014/main" id="{055CBC30-9FA5-4F46-97C3-766A43887EE6}"/>
-              </a:ext>
-            </a:extLst>
-          </p:cNvPr>
-          <p:cNvSpPr>
-            <a:spLocks noGrp="1"/>
-          </p:cNvSpPr>
-          <p:nvPr>
-            <p:ph idx="4294967295"/>
-          </p:nvPr>
-        </p:nvSpPr>
-        <p:spPr>
-          <a:xfrm>
-            <a:off x="492369" y="1825625"/>
-            <a:ext cx="11218985" cy="4351338"/>
-          </a:xfrm>
-        </p:spPr>
-        <p:txBody>
-          <a:bodyPr>
-            <a:normAutofit/>
-          </a:bodyPr>
-          <a:lstStyle/>
-          <a:p>
-            <a:r>
-              <a:rPr lang="es-EC" sz="2000" b="1" dirty="0"/>
-              <a:t>SQL: </a:t>
-            </a:r>
-            <a:r>
-              <a:rPr lang="es-EC" sz="2000" dirty="0" err="1"/>
-              <a:t>Structured</a:t>
-            </a:r>
-            <a:r>
-              <a:rPr lang="es-EC" sz="2000" dirty="0"/>
-              <a:t> </a:t>
-            </a:r>
-            <a:r>
-              <a:rPr lang="es-EC" sz="2000" dirty="0" err="1"/>
-              <a:t>Query</a:t>
-            </a:r>
-            <a:r>
-              <a:rPr lang="es-EC" sz="2000" dirty="0"/>
-              <a:t> </a:t>
-            </a:r>
-            <a:r>
-              <a:rPr lang="es-EC" sz="2000" dirty="0" err="1"/>
-              <a:t>Language</a:t>
-            </a:r>
-            <a:r>
-              <a:rPr lang="es-EC" sz="2000" dirty="0"/>
-              <a:t>.</a:t>
-            </a:r>
-          </a:p>
-          <a:p>
-            <a:r>
-              <a:rPr lang="es-EC" sz="2000" dirty="0"/>
-              <a:t>Nace como un lenguaje declarativo: Se especifica lo que se desea obtener, sin dar órdenes imperativas.</a:t>
-            </a:r>
-          </a:p>
-          <a:p>
-            <a:r>
-              <a:rPr lang="es-EC" sz="2000" dirty="0"/>
-              <a:t>Se recomienda no emplearlo para la implementación de algoritmos, aunque puede cumplir con este fin de forma no tan efectiva como un lenguaje de cuarto nivel.  </a:t>
-            </a:r>
-          </a:p>
-        </p:txBody>
-      </p:sp>
       <p:pic>
         <p:nvPicPr>
-          <p:cNvPr id="4098" name="Picture 2">
-            <a:extLst>
-              <a:ext uri="{FF2B5EF4-FFF2-40B4-BE49-F238E27FC236}">
-                <a16:creationId xmlns:a16="http://schemas.microsoft.com/office/drawing/2014/main" id="{B485100E-DE50-93D2-802B-196110DD3561}"/>
+          <p:cNvPr id="4" name="Imagen 3">
+            <a:extLst>
+              <a:ext uri="{FF2B5EF4-FFF2-40B4-BE49-F238E27FC236}">
+                <a16:creationId xmlns:a16="http://schemas.microsoft.com/office/drawing/2014/main" id="{BDDC3EBC-6FD1-95C1-CDE9-D9765C4200B8}"/>
               </a:ext>
             </a:extLst>
           </p:cNvPr>
           <p:cNvPicPr>
-            <a:picLocks noChangeAspect="1" noChangeArrowheads="1"/>
+            <a:picLocks noChangeAspect="1"/>
           </p:cNvPicPr>
           <p:nvPr/>
         </p:nvPicPr>
         <p:blipFill>
-          <a:blip r:embed="rId2">
-            <a:extLst>
-              <a:ext uri="{28A0092B-C50C-407E-A947-70E740481C1C}">
-                <a14:useLocalDpi xmlns:a14="http://schemas.microsoft.com/office/drawing/2010/main" val="0"/>
-              </a:ext>
-            </a:extLst>
-          </a:blip>
-          <a:srcRect/>
+          <a:blip r:embed="rId2"/>
           <a:stretch>
             <a:fillRect/>
           </a:stretch>
         </p:blipFill>
-        <p:spPr bwMode="auto">
-          <a:xfrm>
-            <a:off x="6027575" y="3508309"/>
-            <a:ext cx="2463379" cy="2463379"/>
+        <p:spPr>
+          <a:xfrm>
+            <a:off x="0" y="0"/>
+            <a:ext cx="12192000" cy="6858000"/>
           </a:xfrm>
           <a:prstGeom prst="rect">
             <a:avLst/>
           </a:prstGeom>
-          <a:noFill/>
-          <a:extLst>
-            <a:ext uri="{909E8E84-426E-40DD-AFC4-6F175D3DCCD1}">
-              <a14:hiddenFill xmlns:a14="http://schemas.microsoft.com/office/drawing/2010/main">
-                <a:solidFill>
-                  <a:srgbClr val="FFFFFF"/>
-                </a:solidFill>
-              </a14:hiddenFill>
-            </a:ext>
-          </a:extLst>
         </p:spPr>
       </p:pic>
     </p:spTree>
     <p:extLst>
       <p:ext uri="{BB962C8B-B14F-4D97-AF65-F5344CB8AC3E}">
-        <p14:creationId xmlns:p14="http://schemas.microsoft.com/office/powerpoint/2010/main" val="2453232915"/>
+        <p14:creationId xmlns:p14="http://schemas.microsoft.com/office/powerpoint/2010/main" val="4218523379"/>
       </p:ext>
     </p:extLst>
   </p:cSld>
@@ -2907,7 +2930,7 @@
           <a:p>
             <a:r>
               <a:rPr lang="es-EC" sz="3200" b="1" dirty="0"/>
-              <a:t>4. Cadenas de conexión</a:t>
+              <a:t>2. Fundamentos de Sistemas Gestores de Bases de Datos</a:t>
             </a:r>
           </a:p>
         </p:txBody>
@@ -2942,73 +2965,172 @@
           <a:p>
             <a:r>
               <a:rPr lang="es-EC" sz="2000" dirty="0"/>
-              <a:t>Las cadenas de conexión son los elementos primordiales para la realización de operaciones en bases de datos.</a:t>
-            </a:r>
-          </a:p>
-          <a:p>
-            <a:r>
-              <a:rPr lang="es-EC" sz="2000" dirty="0"/>
-              <a:t>Una cadena de conexión debe tener los siguiente componentes:</a:t>
-            </a:r>
-          </a:p>
-          <a:p>
-            <a:pPr lvl="1"/>
-            <a:r>
-              <a:rPr lang="es-EC" sz="1600" dirty="0"/>
-              <a:t>Servidor: ¿Dónde está alojada mi base de datos?</a:t>
-            </a:r>
-          </a:p>
-          <a:p>
-            <a:pPr lvl="1"/>
-            <a:r>
-              <a:rPr lang="es-EC" sz="1600" dirty="0"/>
-              <a:t>Número de puerto: Acceso a la base de datos</a:t>
-            </a:r>
-          </a:p>
-          <a:p>
-            <a:pPr lvl="1"/>
-            <a:r>
-              <a:rPr lang="es-EC" sz="1600" dirty="0"/>
-              <a:t>Recurso (Base de datos)</a:t>
-            </a:r>
-          </a:p>
-          <a:p>
-            <a:pPr lvl="1"/>
-            <a:r>
-              <a:rPr lang="es-EC" sz="1600" dirty="0"/>
-              <a:t>Usuario</a:t>
-            </a:r>
-          </a:p>
-          <a:p>
-            <a:pPr lvl="1"/>
-            <a:r>
-              <a:rPr lang="es-EC" sz="1600" dirty="0"/>
-              <a:t>Contraseña</a:t>
-            </a:r>
-          </a:p>
-          <a:p>
-            <a:pPr lvl="1"/>
-            <a:endParaRPr lang="es-EC" sz="1600" dirty="0"/>
-          </a:p>
-          <a:p>
-            <a:r>
-              <a:rPr lang="es-EC" sz="2000" dirty="0"/>
-              <a:t>Las cadenas de conexión mal establecidas suelen ser la causa más común de problemas de conexión hacia la base de datos.</a:t>
-            </a:r>
-          </a:p>
-          <a:p>
-            <a:r>
-              <a:rPr lang="es-EC" sz="2000" dirty="0"/>
-              <a:t>Otra causa de problema son los permisos asignados al usuario con el que se realiza la conexión.</a:t>
-            </a:r>
-            <a:endParaRPr lang="es-EC" sz="1600" dirty="0"/>
+              <a:t>Existen en el mercado varios sistemas gestores de bases de datos.</a:t>
+            </a:r>
+          </a:p>
+          <a:p>
+            <a:r>
+              <a:rPr lang="es-EC" sz="2000" dirty="0"/>
+              <a:t>Mientras algunos son open </a:t>
+            </a:r>
+            <a:r>
+              <a:rPr lang="es-EC" sz="2000" dirty="0" err="1"/>
+              <a:t>source</a:t>
+            </a:r>
+            <a:r>
+              <a:rPr lang="es-EC" sz="2000" dirty="0"/>
+              <a:t> otros son privativos.</a:t>
+            </a:r>
+          </a:p>
+          <a:p>
+            <a:r>
+              <a:rPr lang="es-EC" sz="2000" dirty="0"/>
+              <a:t>Mientras algunos tienen costo otros son gratuitos.</a:t>
+            </a:r>
+          </a:p>
+          <a:p>
+            <a:r>
+              <a:rPr lang="es-EC" sz="2000" dirty="0"/>
+              <a:t>Al elegir un sistema gestor de bases de datos debe tenerse muy en cuenta el soporte técnico y el </a:t>
+            </a:r>
+            <a:r>
+              <a:rPr lang="es-EC" sz="2000" dirty="0" err="1"/>
+              <a:t>background</a:t>
+            </a:r>
+            <a:r>
+              <a:rPr lang="es-EC" sz="2000" dirty="0"/>
+              <a:t> del equipo humano con el que se cuenta.</a:t>
+            </a:r>
+          </a:p>
+          <a:p>
+            <a:r>
+              <a:rPr lang="es-EC" sz="2000" b="1" dirty="0"/>
+              <a:t>SGBD relacionales: </a:t>
+            </a:r>
+            <a:r>
+              <a:rPr lang="es-EC" sz="2000" dirty="0"/>
+              <a:t>MySQL, SQL Server, Oracle, PostgreSQL, SQLite, IBM Db2, </a:t>
+            </a:r>
+            <a:r>
+              <a:rPr lang="es-EC" sz="2000" dirty="0" err="1"/>
+              <a:t>Maria</a:t>
+            </a:r>
+            <a:r>
+              <a:rPr lang="es-EC" sz="2000" dirty="0"/>
+              <a:t> DB.</a:t>
+            </a:r>
+          </a:p>
+          <a:p>
+            <a:r>
+              <a:rPr lang="es-EC" sz="2000" b="1" dirty="0"/>
+              <a:t>SGBD no relacionales: </a:t>
+            </a:r>
+            <a:r>
+              <a:rPr lang="es-EC" sz="2000" dirty="0"/>
+              <a:t>MongoDB, </a:t>
+            </a:r>
+            <a:r>
+              <a:rPr lang="es-EC" sz="2000" dirty="0" err="1"/>
+              <a:t>Cassandra</a:t>
+            </a:r>
+            <a:r>
+              <a:rPr lang="es-EC" sz="2000" dirty="0"/>
+              <a:t>, </a:t>
+            </a:r>
+            <a:r>
+              <a:rPr lang="es-EC" sz="2000" dirty="0" err="1"/>
+              <a:t>Reddis</a:t>
+            </a:r>
+            <a:r>
+              <a:rPr lang="es-EC" sz="2000" dirty="0"/>
+              <a:t>, </a:t>
+            </a:r>
+            <a:r>
+              <a:rPr lang="es-EC" sz="2000" dirty="0" err="1"/>
+              <a:t>CouchDB</a:t>
+            </a:r>
+            <a:r>
+              <a:rPr lang="es-EC" sz="2000" dirty="0"/>
+              <a:t>, Neo4j, Amazon </a:t>
+            </a:r>
+            <a:r>
+              <a:rPr lang="es-EC" sz="2000" dirty="0" err="1"/>
+              <a:t>DynamoDB</a:t>
+            </a:r>
+            <a:r>
+              <a:rPr lang="es-EC" sz="2000" dirty="0"/>
+              <a:t>, </a:t>
+            </a:r>
+            <a:r>
+              <a:rPr lang="es-EC" sz="2000" dirty="0" err="1"/>
+              <a:t>HBase</a:t>
+            </a:r>
+            <a:r>
+              <a:rPr lang="es-EC" sz="2000" dirty="0"/>
+              <a:t>, </a:t>
+            </a:r>
+            <a:r>
+              <a:rPr lang="es-EC" sz="2000" dirty="0" err="1"/>
+              <a:t>Riak</a:t>
+            </a:r>
+            <a:r>
+              <a:rPr lang="es-EC" sz="2000" dirty="0"/>
+              <a:t>.</a:t>
+            </a:r>
           </a:p>
         </p:txBody>
       </p:sp>
+      <p:pic>
+        <p:nvPicPr>
+          <p:cNvPr id="6146" name="Picture 2" descr="Capítulo 2 Base de Datos | Base de Datos">
+            <a:extLst>
+              <a:ext uri="{FF2B5EF4-FFF2-40B4-BE49-F238E27FC236}">
+                <a16:creationId xmlns:a16="http://schemas.microsoft.com/office/drawing/2014/main" id="{07539A12-9B22-2EDA-1126-B0F867C8154D}"/>
+              </a:ext>
+            </a:extLst>
+          </p:cNvPr>
+          <p:cNvPicPr>
+            <a:picLocks noChangeAspect="1" noChangeArrowheads="1"/>
+          </p:cNvPicPr>
+          <p:nvPr/>
+        </p:nvPicPr>
+        <p:blipFill>
+          <a:blip r:embed="rId2">
+            <a:extLst>
+              <a:ext uri="{28A0092B-C50C-407E-A947-70E740481C1C}">
+                <a14:useLocalDpi xmlns:a14="http://schemas.microsoft.com/office/drawing/2010/main" val="0"/>
+              </a:ext>
+            </a:extLst>
+          </a:blip>
+          <a:srcRect/>
+          <a:stretch>
+            <a:fillRect/>
+          </a:stretch>
+        </p:blipFill>
+        <p:spPr bwMode="auto">
+          <a:xfrm>
+            <a:off x="4687569" y="4581331"/>
+            <a:ext cx="2816861" cy="1502326"/>
+          </a:xfrm>
+          <a:prstGeom prst="rect">
+            <a:avLst/>
+          </a:prstGeom>
+          <a:noFill/>
+          <a:extLst>
+            <a:ext uri="{909E8E84-426E-40DD-AFC4-6F175D3DCCD1}">
+              <a14:hiddenFill xmlns:a14="http://schemas.microsoft.com/office/drawing/2010/main">
+                <a:solidFill>
+                  <a:srgbClr val="FFFFFF"/>
+                </a:solidFill>
+              </a14:hiddenFill>
+            </a:ext>
+          </a:extLst>
+        </p:spPr>
+      </p:pic>
     </p:spTree>
     <p:extLst>
       <p:ext uri="{BB962C8B-B14F-4D97-AF65-F5344CB8AC3E}">
-        <p14:creationId xmlns:p14="http://schemas.microsoft.com/office/powerpoint/2010/main" val="2386354579"/>
+        <p14:creationId xmlns:p14="http://schemas.microsoft.com/office/powerpoint/2010/main" val="1049981516"/>
       </p:ext>
     </p:extLst>
   </p:cSld>
@@ -3065,7 +3187,7 @@
           <a:p>
             <a:r>
               <a:rPr lang="es-EC" sz="3200" b="1" dirty="0"/>
-              <a:t>5. Manejo de JOINS</a:t>
+              <a:t>3. Introducción al lenguaje SQL</a:t>
             </a:r>
           </a:p>
         </p:txBody>
@@ -3099,27 +3221,54 @@
           <a:lstStyle/>
           <a:p>
             <a:r>
-              <a:rPr lang="es-EC" sz="2000" dirty="0"/>
-              <a:t>Un JOIN comprende una juntura para cruzar la información disponible en varias tablas.</a:t>
-            </a:r>
-          </a:p>
-          <a:p>
-            <a:r>
-              <a:rPr lang="es-EC" sz="2000" dirty="0"/>
-              <a:t>Muchas veces la información no se dispondrá en una única tabla, por lo que son una buena alternativa para realizar consultas complejas.</a:t>
-            </a:r>
-          </a:p>
-          <a:p>
-            <a:endParaRPr lang="es-EC" sz="2000" dirty="0"/>
+              <a:rPr lang="es-EC" sz="2000" b="1" dirty="0"/>
+              <a:t>SQL: </a:t>
+            </a:r>
+            <a:r>
+              <a:rPr lang="es-EC" sz="2000" dirty="0" err="1"/>
+              <a:t>Structured</a:t>
+            </a:r>
+            <a:r>
+              <a:rPr lang="es-EC" sz="2000" dirty="0"/>
+              <a:t> </a:t>
+            </a:r>
+            <a:r>
+              <a:rPr lang="es-EC" sz="2000" dirty="0" err="1"/>
+              <a:t>Query</a:t>
+            </a:r>
+            <a:r>
+              <a:rPr lang="es-EC" sz="2000" dirty="0"/>
+              <a:t> </a:t>
+            </a:r>
+            <a:r>
+              <a:rPr lang="es-EC" sz="2000" dirty="0" err="1"/>
+              <a:t>Language</a:t>
+            </a:r>
+            <a:r>
+              <a:rPr lang="es-EC" sz="2000" dirty="0"/>
+              <a:t>.</a:t>
+            </a:r>
+          </a:p>
+          <a:p>
+            <a:r>
+              <a:rPr lang="es-EC" sz="2000" dirty="0"/>
+              <a:t>Nace como un lenguaje declarativo: Se especifica lo que se desea obtener, sin dar órdenes imperativas.</a:t>
+            </a:r>
+          </a:p>
+          <a:p>
+            <a:r>
+              <a:rPr lang="es-EC" sz="2000" dirty="0"/>
+              <a:t>Se recomienda no emplearlo para la implementación de algoritmos, aunque puede cumplir con este fin de forma no tan efectiva como un lenguaje de cuarto nivel.  </a:t>
+            </a:r>
           </a:p>
         </p:txBody>
       </p:sp>
       <p:pic>
         <p:nvPicPr>
-          <p:cNvPr id="11266" name="Picture 2" descr="Explicación gráfica de los Join en SQL y sus resultados">
-            <a:extLst>
-              <a:ext uri="{FF2B5EF4-FFF2-40B4-BE49-F238E27FC236}">
-                <a16:creationId xmlns:a16="http://schemas.microsoft.com/office/drawing/2014/main" id="{33943B31-16BA-5682-6DFE-9C66664E4E8C}"/>
+          <p:cNvPr id="4098" name="Picture 2">
+            <a:extLst>
+              <a:ext uri="{FF2B5EF4-FFF2-40B4-BE49-F238E27FC236}">
+                <a16:creationId xmlns:a16="http://schemas.microsoft.com/office/drawing/2014/main" id="{B485100E-DE50-93D2-802B-196110DD3561}"/>
               </a:ext>
             </a:extLst>
           </p:cNvPr>
@@ -3143,8 +3292,8 @@
         </p:blipFill>
         <p:spPr bwMode="auto">
           <a:xfrm>
-            <a:off x="2729593" y="3133628"/>
-            <a:ext cx="6210300" cy="2886075"/>
+            <a:off x="6027575" y="3508309"/>
+            <a:ext cx="2463379" cy="2463379"/>
           </a:xfrm>
           <a:prstGeom prst="rect">
             <a:avLst/>
@@ -3164,7 +3313,7 @@
     </p:spTree>
     <p:extLst>
       <p:ext uri="{BB962C8B-B14F-4D97-AF65-F5344CB8AC3E}">
-        <p14:creationId xmlns:p14="http://schemas.microsoft.com/office/powerpoint/2010/main" val="1643320979"/>
+        <p14:creationId xmlns:p14="http://schemas.microsoft.com/office/powerpoint/2010/main" val="2453232915"/>
       </p:ext>
     </p:extLst>
   </p:cSld>
@@ -3221,7 +3370,7 @@
           <a:p>
             <a:r>
               <a:rPr lang="es-EC" sz="3200" b="1" dirty="0"/>
-              <a:t>6. Introducción a JDBC y ODBC (CRUD)</a:t>
+              <a:t>4. Cadenas de conexión</a:t>
             </a:r>
           </a:p>
         </p:txBody>
@@ -3255,115 +3404,74 @@
           <a:lstStyle/>
           <a:p>
             <a:r>
-              <a:rPr lang="es-EC" sz="2000" b="1" dirty="0"/>
-              <a:t>ODBC: </a:t>
-            </a:r>
-            <a:r>
-              <a:rPr lang="es-EC" sz="2000" dirty="0"/>
-              <a:t>Open </a:t>
-            </a:r>
-            <a:r>
-              <a:rPr lang="es-EC" sz="2000" dirty="0" err="1"/>
-              <a:t>Database</a:t>
-            </a:r>
-            <a:r>
-              <a:rPr lang="es-EC" sz="2000" dirty="0"/>
-              <a:t> </a:t>
-            </a:r>
-            <a:r>
-              <a:rPr lang="es-EC" sz="2000" dirty="0" err="1"/>
-              <a:t>Connectiviy</a:t>
-            </a:r>
-            <a:r>
-              <a:rPr lang="es-EC" sz="2000" dirty="0"/>
-              <a:t>.</a:t>
-            </a:r>
-          </a:p>
-          <a:p>
-            <a:r>
-              <a:rPr lang="es-EC" sz="2000" b="1" dirty="0"/>
-              <a:t>JDBC: </a:t>
-            </a:r>
-            <a:r>
-              <a:rPr lang="es-EC" sz="2000" dirty="0"/>
-              <a:t>Java </a:t>
-            </a:r>
-            <a:r>
-              <a:rPr lang="es-EC" sz="2000" dirty="0" err="1"/>
-              <a:t>Database</a:t>
-            </a:r>
-            <a:r>
-              <a:rPr lang="es-EC" sz="2000" dirty="0"/>
-              <a:t> </a:t>
-            </a:r>
-            <a:r>
-              <a:rPr lang="es-EC" sz="2000" dirty="0" err="1"/>
-              <a:t>Connectivity</a:t>
-            </a:r>
-            <a:r>
-              <a:rPr lang="es-EC" sz="2000" dirty="0"/>
-              <a:t>.</a:t>
-            </a:r>
-          </a:p>
-          <a:p>
-            <a:r>
-              <a:rPr lang="es-EC" sz="2000" dirty="0"/>
-              <a:t>A través de la importación del conector se puede disponer de un conjunto de librerías para la conexión hacia una base de datos.</a:t>
-            </a:r>
+              <a:rPr lang="es-EC" sz="2000" dirty="0"/>
+              <a:t>Las cadenas de conexión son los elementos primordiales para la realización de operaciones en bases de datos.</a:t>
+            </a:r>
+          </a:p>
+          <a:p>
+            <a:r>
+              <a:rPr lang="es-EC" sz="2000" dirty="0"/>
+              <a:t>Una cadena de conexión debe tener los siguiente componentes:</a:t>
+            </a:r>
+          </a:p>
+          <a:p>
+            <a:pPr lvl="1"/>
+            <a:r>
+              <a:rPr lang="es-EC" sz="1600" dirty="0"/>
+              <a:t>Servidor: ¿Dónde está alojada mi base de datos?</a:t>
+            </a:r>
+          </a:p>
+          <a:p>
+            <a:pPr lvl="1"/>
+            <a:r>
+              <a:rPr lang="es-EC" sz="1600" dirty="0"/>
+              <a:t>Número de puerto: Acceso a la base de datos</a:t>
+            </a:r>
+          </a:p>
+          <a:p>
+            <a:pPr lvl="1"/>
+            <a:r>
+              <a:rPr lang="es-EC" sz="1600" dirty="0"/>
+              <a:t>Recurso (Base de datos)</a:t>
+            </a:r>
+          </a:p>
+          <a:p>
+            <a:pPr lvl="1"/>
+            <a:r>
+              <a:rPr lang="es-EC" sz="1600" dirty="0"/>
+              <a:t>Usuario</a:t>
+            </a:r>
+          </a:p>
+          <a:p>
+            <a:pPr lvl="1"/>
+            <a:r>
+              <a:rPr lang="es-EC" sz="1600" dirty="0"/>
+              <a:t>Contraseña</a:t>
+            </a:r>
+          </a:p>
+          <a:p>
+            <a:pPr lvl="1"/>
+            <a:endParaRPr lang="es-EC" sz="1600" dirty="0"/>
+          </a:p>
+          <a:p>
+            <a:r>
+              <a:rPr lang="es-EC" sz="2000" dirty="0"/>
+              <a:t>Las cadenas de conexión mal establecidas suelen ser la causa más común de problemas de conexión hacia la base de datos.</a:t>
+            </a:r>
+          </a:p>
+          <a:p>
+            <a:r>
+              <a:rPr lang="es-EC" sz="2000" dirty="0"/>
+              <a:t>Otra causa de problema son los permisos asignados al usuario con el que se realiza la conexión.</a:t>
+            </a:r>
+            <a:endParaRPr lang="es-EC" sz="1600" dirty="0"/>
           </a:p>
         </p:txBody>
       </p:sp>
-      <p:pic>
-        <p:nvPicPr>
-          <p:cNvPr id="12290" name="Picture 2" descr="Conociendo JDBC | Alura Cursos Online">
-            <a:extLst>
-              <a:ext uri="{FF2B5EF4-FFF2-40B4-BE49-F238E27FC236}">
-                <a16:creationId xmlns:a16="http://schemas.microsoft.com/office/drawing/2014/main" id="{4920964B-BFB5-7A1B-C474-9D016F5BDFCD}"/>
-              </a:ext>
-            </a:extLst>
-          </p:cNvPr>
-          <p:cNvPicPr>
-            <a:picLocks noChangeAspect="1" noChangeArrowheads="1"/>
-          </p:cNvPicPr>
-          <p:nvPr/>
-        </p:nvPicPr>
-        <p:blipFill>
-          <a:blip r:embed="rId2">
-            <a:extLst>
-              <a:ext uri="{28A0092B-C50C-407E-A947-70E740481C1C}">
-                <a14:useLocalDpi xmlns:a14="http://schemas.microsoft.com/office/drawing/2010/main" val="0"/>
-              </a:ext>
-            </a:extLst>
-          </a:blip>
-          <a:srcRect/>
-          <a:stretch>
-            <a:fillRect/>
-          </a:stretch>
-        </p:blipFill>
-        <p:spPr bwMode="auto">
-          <a:xfrm>
-            <a:off x="4596979" y="3356544"/>
-            <a:ext cx="2469308" cy="2460704"/>
-          </a:xfrm>
-          <a:prstGeom prst="rect">
-            <a:avLst/>
-          </a:prstGeom>
-          <a:noFill/>
-          <a:extLst>
-            <a:ext uri="{909E8E84-426E-40DD-AFC4-6F175D3DCCD1}">
-              <a14:hiddenFill xmlns:a14="http://schemas.microsoft.com/office/drawing/2010/main">
-                <a:solidFill>
-                  <a:srgbClr val="FFFFFF"/>
-                </a:solidFill>
-              </a14:hiddenFill>
-            </a:ext>
-          </a:extLst>
-        </p:spPr>
-      </p:pic>
     </p:spTree>
     <p:extLst>
       <p:ext uri="{BB962C8B-B14F-4D97-AF65-F5344CB8AC3E}">
-        <p14:creationId xmlns:p14="http://schemas.microsoft.com/office/powerpoint/2010/main" val="161920326"/>
+        <p14:creationId xmlns:p14="http://schemas.microsoft.com/office/powerpoint/2010/main" val="2386354579"/>
       </p:ext>
     </p:extLst>
   </p:cSld>
@@ -3420,7 +3528,7 @@
           <a:p>
             <a:r>
               <a:rPr lang="es-EC" sz="3200" b="1" dirty="0"/>
-              <a:t>7. Creación de registros </a:t>
+              <a:t>5. Manejo de JOINS</a:t>
             </a:r>
           </a:p>
         </p:txBody>
@@ -3455,35 +3563,26 @@
           <a:p>
             <a:r>
               <a:rPr lang="es-EC" sz="2000" dirty="0"/>
-              <a:t>La creación de registros comprende el añadir una nueva tabla a la base de datos.</a:t>
-            </a:r>
-          </a:p>
-          <a:p>
-            <a:r>
-              <a:rPr lang="es-EC" sz="2000" dirty="0"/>
-              <a:t>Se debe tener cuidado de no violar la restricción de clave primaria.</a:t>
-            </a:r>
-          </a:p>
-          <a:p>
-            <a:r>
-              <a:rPr lang="es-EC" sz="2000" dirty="0"/>
-              <a:t>Una buena técnica consiste en tomar un campo de la tabla como un número secuencial de incremento automático.</a:t>
-            </a:r>
-          </a:p>
-          <a:p>
-            <a:r>
-              <a:rPr lang="es-EC" sz="2000" dirty="0"/>
-              <a:t>De esta manera cada vez que se cree un registro, el secuencial tomará el valor del último registro sumado en una unidad.</a:t>
-            </a:r>
+              <a:t>Un JOIN comprende una juntura para cruzar la información disponible en varias tablas.</a:t>
+            </a:r>
+          </a:p>
+          <a:p>
+            <a:r>
+              <a:rPr lang="es-EC" sz="2000" dirty="0"/>
+              <a:t>Muchas veces la información no se dispondrá en una única tabla, por lo que son una buena alternativa para realizar consultas complejas.</a:t>
+            </a:r>
+          </a:p>
+          <a:p>
+            <a:endParaRPr lang="es-EC" sz="2000" dirty="0"/>
           </a:p>
         </p:txBody>
       </p:sp>
       <p:pic>
         <p:nvPicPr>
-          <p:cNvPr id="7170" name="Picture 2" descr="Alfabetos de presentación: rojo Imán de nevera C | Red refrigerator,  Alphabet, Refrigerator magnets">
-            <a:extLst>
-              <a:ext uri="{FF2B5EF4-FFF2-40B4-BE49-F238E27FC236}">
-                <a16:creationId xmlns:a16="http://schemas.microsoft.com/office/drawing/2014/main" id="{D05DFBE3-2B13-A55F-811E-8D6636C2EDB4}"/>
+          <p:cNvPr id="11266" name="Picture 2" descr="Explicación gráfica de los Join en SQL y sus resultados">
+            <a:extLst>
+              <a:ext uri="{FF2B5EF4-FFF2-40B4-BE49-F238E27FC236}">
+                <a16:creationId xmlns:a16="http://schemas.microsoft.com/office/drawing/2014/main" id="{33943B31-16BA-5682-6DFE-9C66664E4E8C}"/>
               </a:ext>
             </a:extLst>
           </p:cNvPr>
@@ -3507,8 +3606,8 @@
         </p:blipFill>
         <p:spPr bwMode="auto">
           <a:xfrm>
-            <a:off x="4827619" y="3918938"/>
-            <a:ext cx="2133834" cy="2258025"/>
+            <a:off x="2729593" y="3133628"/>
+            <a:ext cx="6210300" cy="2886075"/>
           </a:xfrm>
           <a:prstGeom prst="rect">
             <a:avLst/>
@@ -3528,7 +3627,7 @@
     </p:spTree>
     <p:extLst>
       <p:ext uri="{BB962C8B-B14F-4D97-AF65-F5344CB8AC3E}">
-        <p14:creationId xmlns:p14="http://schemas.microsoft.com/office/powerpoint/2010/main" val="2348078397"/>
+        <p14:creationId xmlns:p14="http://schemas.microsoft.com/office/powerpoint/2010/main" val="1643320979"/>
       </p:ext>
     </p:extLst>
   </p:cSld>
@@ -3585,17 +3684,104 @@
           <a:p>
             <a:r>
               <a:rPr lang="es-EC" sz="3200" b="1" dirty="0"/>
-              <a:t>8. Lectura de registros </a:t>
+              <a:t>6. Introducción a JDBC y ODBC (CRUD)</a:t>
+            </a:r>
+          </a:p>
+        </p:txBody>
+      </p:sp>
+      <p:sp>
+        <p:nvSpPr>
+          <p:cNvPr id="3" name="Marcador de contenido 2">
+            <a:extLst>
+              <a:ext uri="{FF2B5EF4-FFF2-40B4-BE49-F238E27FC236}">
+                <a16:creationId xmlns:a16="http://schemas.microsoft.com/office/drawing/2014/main" id="{055CBC30-9FA5-4F46-97C3-766A43887EE6}"/>
+              </a:ext>
+            </a:extLst>
+          </p:cNvPr>
+          <p:cNvSpPr>
+            <a:spLocks noGrp="1"/>
+          </p:cNvSpPr>
+          <p:nvPr>
+            <p:ph idx="4294967295"/>
+          </p:nvPr>
+        </p:nvSpPr>
+        <p:spPr>
+          <a:xfrm>
+            <a:off x="492369" y="1825625"/>
+            <a:ext cx="11218985" cy="4351338"/>
+          </a:xfrm>
+        </p:spPr>
+        <p:txBody>
+          <a:bodyPr>
+            <a:normAutofit/>
+          </a:bodyPr>
+          <a:lstStyle/>
+          <a:p>
+            <a:r>
+              <a:rPr lang="es-EC" sz="2000" b="1" dirty="0"/>
+              <a:t>ODBC: </a:t>
+            </a:r>
+            <a:r>
+              <a:rPr lang="es-EC" sz="2000" dirty="0"/>
+              <a:t>Open </a:t>
+            </a:r>
+            <a:r>
+              <a:rPr lang="es-EC" sz="2000" dirty="0" err="1"/>
+              <a:t>Database</a:t>
+            </a:r>
+            <a:r>
+              <a:rPr lang="es-EC" sz="2000" dirty="0"/>
+              <a:t> </a:t>
+            </a:r>
+            <a:r>
+              <a:rPr lang="es-EC" sz="2000" dirty="0" err="1"/>
+              <a:t>Connectiviy</a:t>
+            </a:r>
+            <a:r>
+              <a:rPr lang="es-EC" sz="2000" dirty="0"/>
+              <a:t>.</a:t>
+            </a:r>
+          </a:p>
+          <a:p>
+            <a:r>
+              <a:rPr lang="es-EC" sz="2000" b="1" dirty="0"/>
+              <a:t>JDBC: </a:t>
+            </a:r>
+            <a:r>
+              <a:rPr lang="es-EC" sz="2000" dirty="0"/>
+              <a:t>Java </a:t>
+            </a:r>
+            <a:r>
+              <a:rPr lang="es-EC" sz="2000" dirty="0" err="1"/>
+              <a:t>Database</a:t>
+            </a:r>
+            <a:r>
+              <a:rPr lang="es-EC" sz="2000" dirty="0"/>
+              <a:t> </a:t>
+            </a:r>
+            <a:r>
+              <a:rPr lang="es-EC" sz="2000" dirty="0" err="1"/>
+              <a:t>Connectivity</a:t>
+            </a:r>
+            <a:r>
+              <a:rPr lang="es-EC" sz="2000" dirty="0"/>
+              <a:t>.</a:t>
+            </a:r>
+          </a:p>
+          <a:p>
+            <a:r>
+              <a:rPr lang="es-EC" sz="2000" dirty="0"/>
+              <a:t>A través de la importación del conector se puede disponer de un conjunto de librerías para la conexión hacia una base de datos.</a:t>
             </a:r>
           </a:p>
         </p:txBody>
       </p:sp>
       <p:pic>
         <p:nvPicPr>
-          <p:cNvPr id="8198" name="Picture 6" descr="Letra R Alfabeto Color Rojo Alto Res Imágenes De Material Stock de  ilustración - Ilustración de alfabeto, papel: 209991920">
-            <a:extLst>
-              <a:ext uri="{FF2B5EF4-FFF2-40B4-BE49-F238E27FC236}">
-                <a16:creationId xmlns:a16="http://schemas.microsoft.com/office/drawing/2014/main" id="{78AC30F4-BFD1-4C60-140E-E16F76F71EB7}"/>
+          <p:cNvPr id="12290" name="Picture 2" descr="Conociendo JDBC | Alura Cursos Online">
+            <a:extLst>
+              <a:ext uri="{FF2B5EF4-FFF2-40B4-BE49-F238E27FC236}">
+                <a16:creationId xmlns:a16="http://schemas.microsoft.com/office/drawing/2014/main" id="{4920964B-BFB5-7A1B-C474-9D016F5BDFCD}"/>
               </a:ext>
             </a:extLst>
           </p:cNvPr>
@@ -3619,8 +3805,8 @@
         </p:blipFill>
         <p:spPr bwMode="auto">
           <a:xfrm>
-            <a:off x="4505130" y="3697773"/>
-            <a:ext cx="2614127" cy="2614127"/>
+            <a:off x="4596979" y="3356544"/>
+            <a:ext cx="2469308" cy="2460704"/>
           </a:xfrm>
           <a:prstGeom prst="rect">
             <a:avLst/>
@@ -3637,74 +3823,10 @@
           </a:extLst>
         </p:spPr>
       </p:pic>
-      <p:sp>
-        <p:nvSpPr>
-          <p:cNvPr id="3" name="Marcador de contenido 2">
-            <a:extLst>
-              <a:ext uri="{FF2B5EF4-FFF2-40B4-BE49-F238E27FC236}">
-                <a16:creationId xmlns:a16="http://schemas.microsoft.com/office/drawing/2014/main" id="{055CBC30-9FA5-4F46-97C3-766A43887EE6}"/>
-              </a:ext>
-            </a:extLst>
-          </p:cNvPr>
-          <p:cNvSpPr>
-            <a:spLocks noGrp="1"/>
-          </p:cNvSpPr>
-          <p:nvPr>
-            <p:ph idx="4294967295"/>
-          </p:nvPr>
-        </p:nvSpPr>
-        <p:spPr>
-          <a:xfrm>
-            <a:off x="492369" y="1825625"/>
-            <a:ext cx="11218985" cy="4351338"/>
-          </a:xfrm>
-        </p:spPr>
-        <p:txBody>
-          <a:bodyPr>
-            <a:normAutofit/>
-          </a:bodyPr>
-          <a:lstStyle/>
-          <a:p>
-            <a:r>
-              <a:rPr lang="es-EC" sz="2000" dirty="0"/>
-              <a:t>Comprende la obtención de información de la base de datos.</a:t>
-            </a:r>
-          </a:p>
-          <a:p>
-            <a:r>
-              <a:rPr lang="es-EC" sz="2000" dirty="0"/>
-              <a:t>Para ello, los registros debieron ser previamente ingresados ya sea a través de una interfaz gráfica o bien a través de la misma base de datos.</a:t>
-            </a:r>
-          </a:p>
-          <a:p>
-            <a:r>
-              <a:rPr lang="es-EC" sz="2000" dirty="0"/>
-              <a:t>Se pueden obtener estructuras combinadas correspondientes a varias tablas.</a:t>
-            </a:r>
-          </a:p>
-          <a:p>
-            <a:r>
-              <a:rPr lang="es-EC" sz="2000" dirty="0"/>
-              <a:t>Pero también se </a:t>
-            </a:r>
-            <a:r>
-              <a:rPr lang="es-EC" sz="2000" dirty="0" err="1"/>
-              <a:t>puden</a:t>
-            </a:r>
-            <a:r>
-              <a:rPr lang="es-EC" sz="2000" dirty="0"/>
-              <a:t> obtener determinados campos que conforman determinadas columnas de una tabla.</a:t>
-            </a:r>
-          </a:p>
-          <a:p>
-            <a:endParaRPr lang="es-EC" sz="2000" dirty="0"/>
-          </a:p>
-        </p:txBody>
-      </p:sp>
     </p:spTree>
     <p:extLst>
       <p:ext uri="{BB962C8B-B14F-4D97-AF65-F5344CB8AC3E}">
-        <p14:creationId xmlns:p14="http://schemas.microsoft.com/office/powerpoint/2010/main" val="2377752711"/>
+        <p14:creationId xmlns:p14="http://schemas.microsoft.com/office/powerpoint/2010/main" val="161920326"/>
       </p:ext>
     </p:extLst>
   </p:cSld>

--- a/Clases software/Unidades3y4.pptx
+++ b/Clases software/Unidades3y4.pptx
@@ -5,7 +5,7 @@
     <p:sldMasterId id="2147483648" r:id="rId1"/>
   </p:sldMasterIdLst>
   <p:handoutMasterIdLst>
-    <p:handoutMasterId r:id="rId20"/>
+    <p:handoutMasterId r:id="rId21"/>
   </p:handoutMasterIdLst>
   <p:sldIdLst>
     <p:sldId id="256" r:id="rId2"/>
@@ -17,15 +17,16 @@
     <p:sldId id="265" r:id="rId8"/>
     <p:sldId id="264" r:id="rId9"/>
     <p:sldId id="263" r:id="rId10"/>
-    <p:sldId id="267" r:id="rId11"/>
-    <p:sldId id="268" r:id="rId12"/>
-    <p:sldId id="269" r:id="rId13"/>
-    <p:sldId id="270" r:id="rId14"/>
-    <p:sldId id="271" r:id="rId15"/>
-    <p:sldId id="272" r:id="rId16"/>
-    <p:sldId id="273" r:id="rId17"/>
-    <p:sldId id="274" r:id="rId18"/>
-    <p:sldId id="261" r:id="rId19"/>
+    <p:sldId id="277" r:id="rId11"/>
+    <p:sldId id="267" r:id="rId12"/>
+    <p:sldId id="268" r:id="rId13"/>
+    <p:sldId id="269" r:id="rId14"/>
+    <p:sldId id="270" r:id="rId15"/>
+    <p:sldId id="271" r:id="rId16"/>
+    <p:sldId id="272" r:id="rId17"/>
+    <p:sldId id="273" r:id="rId18"/>
+    <p:sldId id="274" r:id="rId19"/>
+    <p:sldId id="261" r:id="rId20"/>
   </p:sldIdLst>
   <p:sldSz cx="12192000" cy="6858000"/>
   <p:notesSz cx="6858000" cy="9144000"/>
@@ -229,7 +230,7 @@
           <a:p>
             <a:fld id="{7FF7D7FF-DDC7-474C-8526-899954A31AD1}" type="datetimeFigureOut">
               <a:rPr lang="es-EC" smtClean="0"/>
-              <a:t>17/12/2023</a:t>
+              <a:t>19/12/2023</a:t>
             </a:fld>
             <a:endParaRPr lang="es-EC"/>
           </a:p>
@@ -655,7 +656,7 @@
           <a:p>
             <a:fld id="{8FEB83C7-CE7D-EE43-931B-A983B2AE7CF3}" type="datetimeFigureOut">
               <a:rPr lang="es-EC" smtClean="0"/>
-              <a:t>17/12/2023</a:t>
+              <a:t>19/12/2023</a:t>
             </a:fld>
             <a:endParaRPr lang="es-EC"/>
           </a:p>
@@ -1183,145 +1184,40 @@
           <a:chExt cx="0" cy="0"/>
         </a:xfrm>
       </p:grpSpPr>
-      <p:sp>
-        <p:nvSpPr>
-          <p:cNvPr id="2" name="Título 1">
-            <a:extLst>
-              <a:ext uri="{FF2B5EF4-FFF2-40B4-BE49-F238E27FC236}">
-                <a16:creationId xmlns:a16="http://schemas.microsoft.com/office/drawing/2014/main" id="{B8ABAACC-5240-4E68-A4E9-ACA6E7A4B0A2}"/>
-              </a:ext>
-            </a:extLst>
-          </p:cNvPr>
-          <p:cNvSpPr>
-            <a:spLocks noGrp="1"/>
-          </p:cNvSpPr>
-          <p:nvPr>
-            <p:ph type="title" idx="4294967295"/>
-          </p:nvPr>
-        </p:nvSpPr>
-        <p:spPr>
-          <a:xfrm>
-            <a:off x="492369" y="1395046"/>
-            <a:ext cx="11218985" cy="295642"/>
-          </a:xfrm>
-        </p:spPr>
-        <p:txBody>
-          <a:bodyPr>
-            <a:noAutofit/>
-          </a:bodyPr>
-          <a:lstStyle/>
-          <a:p>
-            <a:r>
-              <a:rPr lang="es-EC" sz="3200" b="1" dirty="0"/>
-              <a:t>7. Creación de registros </a:t>
-            </a:r>
-          </a:p>
-        </p:txBody>
-      </p:sp>
-      <p:sp>
-        <p:nvSpPr>
-          <p:cNvPr id="3" name="Marcador de contenido 2">
-            <a:extLst>
-              <a:ext uri="{FF2B5EF4-FFF2-40B4-BE49-F238E27FC236}">
-                <a16:creationId xmlns:a16="http://schemas.microsoft.com/office/drawing/2014/main" id="{055CBC30-9FA5-4F46-97C3-766A43887EE6}"/>
-              </a:ext>
-            </a:extLst>
-          </p:cNvPr>
-          <p:cNvSpPr>
-            <a:spLocks noGrp="1"/>
-          </p:cNvSpPr>
-          <p:nvPr>
-            <p:ph idx="4294967295"/>
-          </p:nvPr>
-        </p:nvSpPr>
-        <p:spPr>
-          <a:xfrm>
-            <a:off x="492369" y="1825625"/>
-            <a:ext cx="11218985" cy="4351338"/>
-          </a:xfrm>
-        </p:spPr>
-        <p:txBody>
-          <a:bodyPr>
-            <a:normAutofit/>
-          </a:bodyPr>
-          <a:lstStyle/>
-          <a:p>
-            <a:r>
-              <a:rPr lang="es-EC" sz="2000" dirty="0"/>
-              <a:t>La creación de registros comprende el añadir una nueva tabla a la base de datos.</a:t>
-            </a:r>
-          </a:p>
-          <a:p>
-            <a:r>
-              <a:rPr lang="es-EC" sz="2000" dirty="0"/>
-              <a:t>Se debe tener cuidado de no violar la restricción de clave primaria.</a:t>
-            </a:r>
-          </a:p>
-          <a:p>
-            <a:r>
-              <a:rPr lang="es-EC" sz="2000" dirty="0"/>
-              <a:t>Una buena técnica consiste en tomar un campo de la tabla como un número secuencial de incremento automático.</a:t>
-            </a:r>
-          </a:p>
-          <a:p>
-            <a:r>
-              <a:rPr lang="es-EC" sz="2000" dirty="0"/>
-              <a:t>De esta manera cada vez que se cree un registro, el secuencial tomará el valor del último registro sumado en una unidad.</a:t>
-            </a:r>
-          </a:p>
-        </p:txBody>
-      </p:sp>
       <p:pic>
         <p:nvPicPr>
-          <p:cNvPr id="7170" name="Picture 2" descr="Alfabetos de presentación: rojo Imán de nevera C | Red refrigerator,  Alphabet, Refrigerator magnets">
-            <a:extLst>
-              <a:ext uri="{FF2B5EF4-FFF2-40B4-BE49-F238E27FC236}">
-                <a16:creationId xmlns:a16="http://schemas.microsoft.com/office/drawing/2014/main" id="{D05DFBE3-2B13-A55F-811E-8D6636C2EDB4}"/>
+          <p:cNvPr id="9" name="Imagen 8">
+            <a:extLst>
+              <a:ext uri="{FF2B5EF4-FFF2-40B4-BE49-F238E27FC236}">
+                <a16:creationId xmlns:a16="http://schemas.microsoft.com/office/drawing/2014/main" id="{1B279FBE-AB9F-AA8C-0CC7-2793CAC6009D}"/>
               </a:ext>
             </a:extLst>
           </p:cNvPr>
           <p:cNvPicPr>
-            <a:picLocks noChangeAspect="1" noChangeArrowheads="1"/>
+            <a:picLocks noChangeAspect="1"/>
           </p:cNvPicPr>
           <p:nvPr/>
         </p:nvPicPr>
         <p:blipFill>
-          <a:blip r:embed="rId2">
-            <a:extLst>
-              <a:ext uri="{28A0092B-C50C-407E-A947-70E740481C1C}">
-                <a14:useLocalDpi xmlns:a14="http://schemas.microsoft.com/office/drawing/2010/main" val="0"/>
-              </a:ext>
-            </a:extLst>
-          </a:blip>
-          <a:srcRect/>
+          <a:blip r:embed="rId2"/>
           <a:stretch>
             <a:fillRect/>
           </a:stretch>
         </p:blipFill>
-        <p:spPr bwMode="auto">
-          <a:xfrm>
-            <a:off x="4827619" y="3918938"/>
-            <a:ext cx="2133834" cy="2258025"/>
+        <p:spPr>
+          <a:xfrm>
+            <a:off x="0" y="155575"/>
+            <a:ext cx="12192000" cy="6546850"/>
           </a:xfrm>
           <a:prstGeom prst="rect">
             <a:avLst/>
           </a:prstGeom>
-          <a:noFill/>
-          <a:extLst>
-            <a:ext uri="{909E8E84-426E-40DD-AFC4-6F175D3DCCD1}">
-              <a14:hiddenFill xmlns:a14="http://schemas.microsoft.com/office/drawing/2010/main">
-                <a:solidFill>
-                  <a:srgbClr val="FFFFFF"/>
-                </a:solidFill>
-              </a14:hiddenFill>
-            </a:ext>
-          </a:extLst>
         </p:spPr>
       </p:pic>
     </p:spTree>
     <p:extLst>
       <p:ext uri="{BB962C8B-B14F-4D97-AF65-F5344CB8AC3E}">
-        <p14:creationId xmlns:p14="http://schemas.microsoft.com/office/powerpoint/2010/main" val="2348078397"/>
+        <p14:creationId xmlns:p14="http://schemas.microsoft.com/office/powerpoint/2010/main" val="3101242132"/>
       </p:ext>
     </p:extLst>
   </p:cSld>
@@ -1378,17 +1274,70 @@
           <a:p>
             <a:r>
               <a:rPr lang="es-EC" sz="3200" b="1" dirty="0"/>
-              <a:t>8. Lectura de registros </a:t>
+              <a:t>7. Creación de registros </a:t>
+            </a:r>
+          </a:p>
+        </p:txBody>
+      </p:sp>
+      <p:sp>
+        <p:nvSpPr>
+          <p:cNvPr id="3" name="Marcador de contenido 2">
+            <a:extLst>
+              <a:ext uri="{FF2B5EF4-FFF2-40B4-BE49-F238E27FC236}">
+                <a16:creationId xmlns:a16="http://schemas.microsoft.com/office/drawing/2014/main" id="{055CBC30-9FA5-4F46-97C3-766A43887EE6}"/>
+              </a:ext>
+            </a:extLst>
+          </p:cNvPr>
+          <p:cNvSpPr>
+            <a:spLocks noGrp="1"/>
+          </p:cNvSpPr>
+          <p:nvPr>
+            <p:ph idx="4294967295"/>
+          </p:nvPr>
+        </p:nvSpPr>
+        <p:spPr>
+          <a:xfrm>
+            <a:off x="492369" y="1825625"/>
+            <a:ext cx="11218985" cy="4351338"/>
+          </a:xfrm>
+        </p:spPr>
+        <p:txBody>
+          <a:bodyPr>
+            <a:normAutofit/>
+          </a:bodyPr>
+          <a:lstStyle/>
+          <a:p>
+            <a:r>
+              <a:rPr lang="es-EC" sz="2000" dirty="0"/>
+              <a:t>La creación de registros comprende el añadir una nueva tabla a la base de datos.</a:t>
+            </a:r>
+          </a:p>
+          <a:p>
+            <a:r>
+              <a:rPr lang="es-EC" sz="2000" dirty="0"/>
+              <a:t>Se debe tener cuidado de no violar la restricción de clave primaria.</a:t>
+            </a:r>
+          </a:p>
+          <a:p>
+            <a:r>
+              <a:rPr lang="es-EC" sz="2000" dirty="0"/>
+              <a:t>Una buena técnica consiste en tomar un campo de la tabla como un número secuencial de incremento automático.</a:t>
+            </a:r>
+          </a:p>
+          <a:p>
+            <a:r>
+              <a:rPr lang="es-EC" sz="2000" dirty="0"/>
+              <a:t>De esta manera cada vez que se cree un registro, el secuencial tomará el valor del último registro sumado en una unidad.</a:t>
             </a:r>
           </a:p>
         </p:txBody>
       </p:sp>
       <p:pic>
         <p:nvPicPr>
-          <p:cNvPr id="8198" name="Picture 6" descr="Letra R Alfabeto Color Rojo Alto Res Imágenes De Material Stock de  ilustración - Ilustración de alfabeto, papel: 209991920">
-            <a:extLst>
-              <a:ext uri="{FF2B5EF4-FFF2-40B4-BE49-F238E27FC236}">
-                <a16:creationId xmlns:a16="http://schemas.microsoft.com/office/drawing/2014/main" id="{78AC30F4-BFD1-4C60-140E-E16F76F71EB7}"/>
+          <p:cNvPr id="7170" name="Picture 2" descr="Alfabetos de presentación: rojo Imán de nevera C | Red refrigerator,  Alphabet, Refrigerator magnets">
+            <a:extLst>
+              <a:ext uri="{FF2B5EF4-FFF2-40B4-BE49-F238E27FC236}">
+                <a16:creationId xmlns:a16="http://schemas.microsoft.com/office/drawing/2014/main" id="{D05DFBE3-2B13-A55F-811E-8D6636C2EDB4}"/>
               </a:ext>
             </a:extLst>
           </p:cNvPr>
@@ -1412,8 +1361,8 @@
         </p:blipFill>
         <p:spPr bwMode="auto">
           <a:xfrm>
-            <a:off x="4505130" y="3697773"/>
-            <a:ext cx="2614127" cy="2614127"/>
+            <a:off x="4827619" y="3918938"/>
+            <a:ext cx="2133834" cy="2258025"/>
           </a:xfrm>
           <a:prstGeom prst="rect">
             <a:avLst/>
@@ -1430,74 +1379,10 @@
           </a:extLst>
         </p:spPr>
       </p:pic>
-      <p:sp>
-        <p:nvSpPr>
-          <p:cNvPr id="3" name="Marcador de contenido 2">
-            <a:extLst>
-              <a:ext uri="{FF2B5EF4-FFF2-40B4-BE49-F238E27FC236}">
-                <a16:creationId xmlns:a16="http://schemas.microsoft.com/office/drawing/2014/main" id="{055CBC30-9FA5-4F46-97C3-766A43887EE6}"/>
-              </a:ext>
-            </a:extLst>
-          </p:cNvPr>
-          <p:cNvSpPr>
-            <a:spLocks noGrp="1"/>
-          </p:cNvSpPr>
-          <p:nvPr>
-            <p:ph idx="4294967295"/>
-          </p:nvPr>
-        </p:nvSpPr>
-        <p:spPr>
-          <a:xfrm>
-            <a:off x="492369" y="1825625"/>
-            <a:ext cx="11218985" cy="4351338"/>
-          </a:xfrm>
-        </p:spPr>
-        <p:txBody>
-          <a:bodyPr>
-            <a:normAutofit/>
-          </a:bodyPr>
-          <a:lstStyle/>
-          <a:p>
-            <a:r>
-              <a:rPr lang="es-EC" sz="2000" dirty="0"/>
-              <a:t>Comprende la obtención de información de la base de datos.</a:t>
-            </a:r>
-          </a:p>
-          <a:p>
-            <a:r>
-              <a:rPr lang="es-EC" sz="2000" dirty="0"/>
-              <a:t>Para ello, los registros debieron ser previamente ingresados ya sea a través de una interfaz gráfica o bien a través de la misma base de datos.</a:t>
-            </a:r>
-          </a:p>
-          <a:p>
-            <a:r>
-              <a:rPr lang="es-EC" sz="2000" dirty="0"/>
-              <a:t>Se pueden obtener estructuras combinadas correspondientes a varias tablas.</a:t>
-            </a:r>
-          </a:p>
-          <a:p>
-            <a:r>
-              <a:rPr lang="es-EC" sz="2000" dirty="0"/>
-              <a:t>Pero también se </a:t>
-            </a:r>
-            <a:r>
-              <a:rPr lang="es-EC" sz="2000" dirty="0" err="1"/>
-              <a:t>puden</a:t>
-            </a:r>
-            <a:r>
-              <a:rPr lang="es-EC" sz="2000" dirty="0"/>
-              <a:t> obtener determinados campos que conforman determinadas columnas de una tabla.</a:t>
-            </a:r>
-          </a:p>
-          <a:p>
-            <a:endParaRPr lang="es-EC" sz="2000" dirty="0"/>
-          </a:p>
-        </p:txBody>
-      </p:sp>
     </p:spTree>
     <p:extLst>
       <p:ext uri="{BB962C8B-B14F-4D97-AF65-F5344CB8AC3E}">
-        <p14:creationId xmlns:p14="http://schemas.microsoft.com/office/powerpoint/2010/main" val="2377752711"/>
+        <p14:creationId xmlns:p14="http://schemas.microsoft.com/office/powerpoint/2010/main" val="2348078397"/>
       </p:ext>
     </p:extLst>
   </p:cSld>
@@ -1554,73 +1439,17 @@
           <a:p>
             <a:r>
               <a:rPr lang="es-EC" sz="3200" b="1" dirty="0"/>
-              <a:t>9. Actualización de registros </a:t>
-            </a:r>
-          </a:p>
-        </p:txBody>
-      </p:sp>
-      <p:sp>
-        <p:nvSpPr>
-          <p:cNvPr id="3" name="Marcador de contenido 2">
-            <a:extLst>
-              <a:ext uri="{FF2B5EF4-FFF2-40B4-BE49-F238E27FC236}">
-                <a16:creationId xmlns:a16="http://schemas.microsoft.com/office/drawing/2014/main" id="{055CBC30-9FA5-4F46-97C3-766A43887EE6}"/>
-              </a:ext>
-            </a:extLst>
-          </p:cNvPr>
-          <p:cNvSpPr>
-            <a:spLocks noGrp="1"/>
-          </p:cNvSpPr>
-          <p:nvPr>
-            <p:ph idx="4294967295"/>
-          </p:nvPr>
-        </p:nvSpPr>
-        <p:spPr>
-          <a:xfrm>
-            <a:off x="492369" y="1825625"/>
-            <a:ext cx="11218985" cy="4351338"/>
-          </a:xfrm>
-        </p:spPr>
-        <p:txBody>
-          <a:bodyPr>
-            <a:normAutofit/>
-          </a:bodyPr>
-          <a:lstStyle/>
-          <a:p>
-            <a:r>
-              <a:rPr lang="es-EC" sz="2000" dirty="0"/>
-              <a:t>Comprende la modificación de la información almacenada en una base de datos.</a:t>
-            </a:r>
-          </a:p>
-          <a:p>
-            <a:r>
-              <a:rPr lang="es-EC" sz="2000" dirty="0"/>
-              <a:t>Debe tenerse en cuenta que si no se logra modificar ningún registro, el resultado no genera un error.</a:t>
-            </a:r>
-          </a:p>
-          <a:p>
-            <a:r>
-              <a:rPr lang="es-EC" sz="2000" dirty="0"/>
-              <a:t>Sin embargo, la cantidad de registros modificados será igual a 0.</a:t>
-            </a:r>
-          </a:p>
-          <a:p>
-            <a:r>
-              <a:rPr lang="es-EC" sz="2000" dirty="0"/>
-              <a:t>En una única sentencia UPDATE se puede modificar varios registros, por lo que debe tenerse extremo cuidado en expresar de forma correcta la condición WHERE.</a:t>
-            </a:r>
-          </a:p>
-          <a:p>
-            <a:endParaRPr lang="es-EC" sz="2000" dirty="0"/>
+              <a:t>8. Lectura de registros </a:t>
+            </a:r>
           </a:p>
         </p:txBody>
       </p:sp>
       <p:pic>
         <p:nvPicPr>
-          <p:cNvPr id="10244" name="Picture 4" descr="Parche Bordado LETRA U">
-            <a:extLst>
-              <a:ext uri="{FF2B5EF4-FFF2-40B4-BE49-F238E27FC236}">
-                <a16:creationId xmlns:a16="http://schemas.microsoft.com/office/drawing/2014/main" id="{BE01234E-DC7A-AA50-D317-C09B1F356866}"/>
+          <p:cNvPr id="8198" name="Picture 6" descr="Letra R Alfabeto Color Rojo Alto Res Imágenes De Material Stock de  ilustración - Ilustración de alfabeto, papel: 209991920">
+            <a:extLst>
+              <a:ext uri="{FF2B5EF4-FFF2-40B4-BE49-F238E27FC236}">
+                <a16:creationId xmlns:a16="http://schemas.microsoft.com/office/drawing/2014/main" id="{78AC30F4-BFD1-4C60-140E-E16F76F71EB7}"/>
               </a:ext>
             </a:extLst>
           </p:cNvPr>
@@ -1644,8 +1473,8 @@
         </p:blipFill>
         <p:spPr bwMode="auto">
           <a:xfrm>
-            <a:off x="5018314" y="3737267"/>
-            <a:ext cx="2439696" cy="2439696"/>
+            <a:off x="4505130" y="3697773"/>
+            <a:ext cx="2614127" cy="2614127"/>
           </a:xfrm>
           <a:prstGeom prst="rect">
             <a:avLst/>
@@ -1662,10 +1491,74 @@
           </a:extLst>
         </p:spPr>
       </p:pic>
+      <p:sp>
+        <p:nvSpPr>
+          <p:cNvPr id="3" name="Marcador de contenido 2">
+            <a:extLst>
+              <a:ext uri="{FF2B5EF4-FFF2-40B4-BE49-F238E27FC236}">
+                <a16:creationId xmlns:a16="http://schemas.microsoft.com/office/drawing/2014/main" id="{055CBC30-9FA5-4F46-97C3-766A43887EE6}"/>
+              </a:ext>
+            </a:extLst>
+          </p:cNvPr>
+          <p:cNvSpPr>
+            <a:spLocks noGrp="1"/>
+          </p:cNvSpPr>
+          <p:nvPr>
+            <p:ph idx="4294967295"/>
+          </p:nvPr>
+        </p:nvSpPr>
+        <p:spPr>
+          <a:xfrm>
+            <a:off x="492369" y="1825625"/>
+            <a:ext cx="11218985" cy="4351338"/>
+          </a:xfrm>
+        </p:spPr>
+        <p:txBody>
+          <a:bodyPr>
+            <a:normAutofit/>
+          </a:bodyPr>
+          <a:lstStyle/>
+          <a:p>
+            <a:r>
+              <a:rPr lang="es-EC" sz="2000" dirty="0"/>
+              <a:t>Comprende la obtención de información de la base de datos.</a:t>
+            </a:r>
+          </a:p>
+          <a:p>
+            <a:r>
+              <a:rPr lang="es-EC" sz="2000" dirty="0"/>
+              <a:t>Para ello, los registros debieron ser previamente ingresados ya sea a través de una interfaz gráfica o bien a través de la misma base de datos.</a:t>
+            </a:r>
+          </a:p>
+          <a:p>
+            <a:r>
+              <a:rPr lang="es-EC" sz="2000" dirty="0"/>
+              <a:t>Se pueden obtener estructuras combinadas correspondientes a varias tablas.</a:t>
+            </a:r>
+          </a:p>
+          <a:p>
+            <a:r>
+              <a:rPr lang="es-EC" sz="2000" dirty="0"/>
+              <a:t>Pero también se </a:t>
+            </a:r>
+            <a:r>
+              <a:rPr lang="es-EC" sz="2000" dirty="0" err="1"/>
+              <a:t>puden</a:t>
+            </a:r>
+            <a:r>
+              <a:rPr lang="es-EC" sz="2000" dirty="0"/>
+              <a:t> obtener determinados campos que conforman determinadas columnas de una tabla.</a:t>
+            </a:r>
+          </a:p>
+          <a:p>
+            <a:endParaRPr lang="es-EC" sz="2000" dirty="0"/>
+          </a:p>
+        </p:txBody>
+      </p:sp>
     </p:spTree>
     <p:extLst>
       <p:ext uri="{BB962C8B-B14F-4D97-AF65-F5344CB8AC3E}">
-        <p14:creationId xmlns:p14="http://schemas.microsoft.com/office/powerpoint/2010/main" val="1409583814"/>
+        <p14:creationId xmlns:p14="http://schemas.microsoft.com/office/powerpoint/2010/main" val="2377752711"/>
       </p:ext>
     </p:extLst>
   </p:cSld>
@@ -1722,7 +1615,7 @@
           <a:p>
             <a:r>
               <a:rPr lang="es-EC" sz="3200" b="1" dirty="0"/>
-              <a:t>10. Eliminación de registros </a:t>
+              <a:t>9. Actualización de registros </a:t>
             </a:r>
           </a:p>
         </p:txBody>
@@ -1757,35 +1650,38 @@
           <a:p>
             <a:r>
               <a:rPr lang="es-EC" sz="2000" dirty="0"/>
-              <a:t>Comprende la eliminación física de información de una base de datos.</a:t>
-            </a:r>
-          </a:p>
-          <a:p>
-            <a:r>
-              <a:rPr lang="es-EC" sz="2000" dirty="0"/>
-              <a:t>No es una operación siempre permitida en organizaciones: Auditoría, trazabilidad.</a:t>
-            </a:r>
-          </a:p>
-          <a:p>
-            <a:r>
-              <a:rPr lang="es-EC" sz="2000" dirty="0"/>
-              <a:t>Por lo general, lo que se realiza es colocar una bandera lógica para cada registro de tal manera que si ésta toma un cierto valor tenga significado para el sistema.</a:t>
-            </a:r>
-          </a:p>
-          <a:p>
-            <a:pPr marL="0" indent="0">
-              <a:buNone/>
-            </a:pPr>
+              <a:t>Comprende la modificación de la información almacenada en una base de datos.</a:t>
+            </a:r>
+          </a:p>
+          <a:p>
+            <a:r>
+              <a:rPr lang="es-EC" sz="2000" dirty="0"/>
+              <a:t>Debe tenerse en cuenta que si no se logra modificar ningún registro, el resultado no genera un error.</a:t>
+            </a:r>
+          </a:p>
+          <a:p>
+            <a:r>
+              <a:rPr lang="es-EC" sz="2000" dirty="0"/>
+              <a:t>Sin embargo, la cantidad de registros modificados será igual a 0.</a:t>
+            </a:r>
+          </a:p>
+          <a:p>
+            <a:r>
+              <a:rPr lang="es-EC" sz="2000" dirty="0"/>
+              <a:t>En una única sentencia UPDATE se puede modificar varios registros, por lo que debe tenerse extremo cuidado en expresar de forma correcta la condición WHERE.</a:t>
+            </a:r>
+          </a:p>
+          <a:p>
             <a:endParaRPr lang="es-EC" sz="2000" dirty="0"/>
           </a:p>
         </p:txBody>
       </p:sp>
       <p:pic>
         <p:nvPicPr>
-          <p:cNvPr id="9218" name="Picture 2" descr="Letra D Rojo 3d Renderizar Alfabeto Capital Texto Fuente Signo Sobre Fondo  Blanco Foto de stock y más banco de imágenes de Alemania - iStock">
-            <a:extLst>
-              <a:ext uri="{FF2B5EF4-FFF2-40B4-BE49-F238E27FC236}">
-                <a16:creationId xmlns:a16="http://schemas.microsoft.com/office/drawing/2014/main" id="{BC9C19DF-8839-9030-840C-C25CD827E28F}"/>
+          <p:cNvPr id="10244" name="Picture 4" descr="Parche Bordado LETRA U">
+            <a:extLst>
+              <a:ext uri="{FF2B5EF4-FFF2-40B4-BE49-F238E27FC236}">
+                <a16:creationId xmlns:a16="http://schemas.microsoft.com/office/drawing/2014/main" id="{BE01234E-DC7A-AA50-D317-C09B1F356866}"/>
               </a:ext>
             </a:extLst>
           </p:cNvPr>
@@ -1809,8 +1705,8 @@
         </p:blipFill>
         <p:spPr bwMode="auto">
           <a:xfrm>
-            <a:off x="4551589" y="3223079"/>
-            <a:ext cx="3088821" cy="3088821"/>
+            <a:off x="5018314" y="3737267"/>
+            <a:ext cx="2439696" cy="2439696"/>
           </a:xfrm>
           <a:prstGeom prst="rect">
             <a:avLst/>
@@ -1830,7 +1726,7 @@
     </p:spTree>
     <p:extLst>
       <p:ext uri="{BB962C8B-B14F-4D97-AF65-F5344CB8AC3E}">
-        <p14:creationId xmlns:p14="http://schemas.microsoft.com/office/powerpoint/2010/main" val="404189749"/>
+        <p14:creationId xmlns:p14="http://schemas.microsoft.com/office/powerpoint/2010/main" val="1409583814"/>
       </p:ext>
     </p:extLst>
   </p:cSld>
@@ -1887,7 +1783,7 @@
           <a:p>
             <a:r>
               <a:rPr lang="es-EC" sz="3200" b="1" dirty="0"/>
-              <a:t>11. Estructuras de datos dinámicas</a:t>
+              <a:t>10. Eliminación de registros </a:t>
             </a:r>
           </a:p>
         </p:txBody>
@@ -1921,38 +1817,36 @@
           <a:lstStyle/>
           <a:p>
             <a:r>
-              <a:rPr lang="es-EC" sz="2000" b="1" dirty="0"/>
-              <a:t>Estructuras de datos: </a:t>
-            </a:r>
-            <a:r>
-              <a:rPr lang="es-EC" sz="2000" dirty="0" err="1"/>
-              <a:t>Disposicón</a:t>
-            </a:r>
-            <a:r>
-              <a:rPr lang="es-EC" sz="2000" dirty="0"/>
-              <a:t> que almacena un determinado tipo de dato, pero no se crean con una longitud determinada.</a:t>
-            </a:r>
-          </a:p>
-          <a:p>
-            <a:r>
-              <a:rPr lang="es-EC" sz="2000" dirty="0"/>
-              <a:t>Sobre estas estructuras dinámicas podemos realizar operaciones de añadir y eliminar elementos.</a:t>
-            </a:r>
-          </a:p>
-          <a:p>
-            <a:r>
-              <a:rPr lang="es-EC" sz="2000" dirty="0"/>
-              <a:t>En tiempo de ejecución el sistema operativo gestionará de forma adecuada la memoria a fin de poder manipular la estructura de forma correcta.</a:t>
-            </a:r>
+              <a:rPr lang="es-EC" sz="2000" dirty="0"/>
+              <a:t>Comprende la eliminación física de información de una base de datos.</a:t>
+            </a:r>
+          </a:p>
+          <a:p>
+            <a:r>
+              <a:rPr lang="es-EC" sz="2000" dirty="0"/>
+              <a:t>No es una operación siempre permitida en organizaciones: Auditoría, trazabilidad.</a:t>
+            </a:r>
+          </a:p>
+          <a:p>
+            <a:r>
+              <a:rPr lang="es-EC" sz="2000" dirty="0"/>
+              <a:t>Por lo general, lo que se realiza es colocar una bandera lógica para cada registro de tal manera que si ésta toma un cierto valor tenga significado para el sistema.</a:t>
+            </a:r>
+          </a:p>
+          <a:p>
+            <a:pPr marL="0" indent="0">
+              <a:buNone/>
+            </a:pPr>
+            <a:endParaRPr lang="es-EC" sz="2000" dirty="0"/>
           </a:p>
         </p:txBody>
       </p:sp>
       <p:pic>
         <p:nvPicPr>
-          <p:cNvPr id="2050" name="Picture 2" descr="Java Collections – mvit-InnovacionTecnológica">
-            <a:extLst>
-              <a:ext uri="{FF2B5EF4-FFF2-40B4-BE49-F238E27FC236}">
-                <a16:creationId xmlns:a16="http://schemas.microsoft.com/office/drawing/2014/main" id="{3844D673-358C-06FF-9999-91A0ED15FE80}"/>
+          <p:cNvPr id="9218" name="Picture 2" descr="Letra D Rojo 3d Renderizar Alfabeto Capital Texto Fuente Signo Sobre Fondo  Blanco Foto de stock y más banco de imágenes de Alemania - iStock">
+            <a:extLst>
+              <a:ext uri="{FF2B5EF4-FFF2-40B4-BE49-F238E27FC236}">
+                <a16:creationId xmlns:a16="http://schemas.microsoft.com/office/drawing/2014/main" id="{BC9C19DF-8839-9030-840C-C25CD827E28F}"/>
               </a:ext>
             </a:extLst>
           </p:cNvPr>
@@ -1976,8 +1870,8 @@
         </p:blipFill>
         <p:spPr bwMode="auto">
           <a:xfrm>
-            <a:off x="3590925" y="3818358"/>
-            <a:ext cx="5010150" cy="2076450"/>
+            <a:off x="4551589" y="3223079"/>
+            <a:ext cx="3088821" cy="3088821"/>
           </a:xfrm>
           <a:prstGeom prst="rect">
             <a:avLst/>
@@ -1997,7 +1891,7 @@
     </p:spTree>
     <p:extLst>
       <p:ext uri="{BB962C8B-B14F-4D97-AF65-F5344CB8AC3E}">
-        <p14:creationId xmlns:p14="http://schemas.microsoft.com/office/powerpoint/2010/main" val="2564302099"/>
+        <p14:creationId xmlns:p14="http://schemas.microsoft.com/office/powerpoint/2010/main" val="404189749"/>
       </p:ext>
     </p:extLst>
   </p:cSld>
@@ -2054,7 +1948,7 @@
           <a:p>
             <a:r>
               <a:rPr lang="es-EC" sz="3200" b="1" dirty="0"/>
-              <a:t>12. Colecciones</a:t>
+              <a:t>11. Estructuras de datos dinámicas</a:t>
             </a:r>
           </a:p>
         </p:txBody>
@@ -2088,82 +1982,83 @@
           <a:lstStyle/>
           <a:p>
             <a:r>
-              <a:rPr lang="es-EC" sz="2000" dirty="0"/>
-              <a:t>Una colección comprende un conjunto de dos o más elementos.</a:t>
-            </a:r>
-          </a:p>
-          <a:p>
-            <a:r>
-              <a:rPr lang="es-EC" sz="2000" dirty="0"/>
-              <a:t>Pueden ser definidas tradicionalmente a través de vectores y matrices.</a:t>
-            </a:r>
-          </a:p>
-          <a:p>
-            <a:r>
               <a:rPr lang="es-EC" sz="2000" b="1" dirty="0"/>
-              <a:t>Vector: </a:t>
-            </a:r>
-            <a:r>
-              <a:rPr lang="es-EC" sz="2000" dirty="0"/>
-              <a:t>arreglo </a:t>
+              <a:t>Estructuras de datos: </a:t>
             </a:r>
             <a:r>
               <a:rPr lang="es-EC" sz="2000" dirty="0" err="1"/>
-              <a:t>unidimensinal</a:t>
-            </a:r>
-            <a:r>
-              <a:rPr lang="es-EC" sz="2000" dirty="0"/>
-              <a:t>.</a:t>
-            </a:r>
-          </a:p>
-          <a:p>
-            <a:r>
-              <a:rPr lang="es-EC" sz="2000" b="1" dirty="0"/>
-              <a:t>Matriz: </a:t>
-            </a:r>
-            <a:r>
-              <a:rPr lang="es-EC" sz="2000" dirty="0"/>
-              <a:t>arreglo bidimensional.</a:t>
-            </a:r>
-          </a:p>
-          <a:p>
-            <a:r>
-              <a:rPr lang="es-EC" sz="2000" dirty="0"/>
-              <a:t>Sin embargo, este enfoque tradicional está limitado al limitar las dimensiones del arreglo.</a:t>
-            </a:r>
-          </a:p>
-          <a:p>
-            <a:r>
-              <a:rPr lang="es-EC" sz="2000" dirty="0"/>
-              <a:t>Una solución comprende entonces el uso de colecciones dinámicas: </a:t>
-            </a:r>
-            <a:r>
-              <a:rPr lang="es-EC" sz="2000" b="1" dirty="0" err="1"/>
-              <a:t>ArrayList</a:t>
-            </a:r>
-            <a:r>
-              <a:rPr lang="es-EC" sz="2000" b="1" dirty="0"/>
-              <a:t>.</a:t>
-            </a:r>
-          </a:p>
-          <a:p>
-            <a:r>
-              <a:rPr lang="es-EC" sz="2000" dirty="0"/>
-              <a:t>Dentro del arreglo dinámico se podrá almacenar cualquier tipo de dato, incluso objetos.</a:t>
-            </a:r>
-          </a:p>
-          <a:p>
-            <a:r>
-              <a:rPr lang="es-EC" sz="2000" dirty="0"/>
-              <a:t>Sin embargo, en Java los datos deberán ser siempre del mismo tipo. </a:t>
+              <a:t>Disposicón</a:t>
+            </a:r>
+            <a:r>
+              <a:rPr lang="es-EC" sz="2000" dirty="0"/>
+              <a:t> que almacena un determinado tipo de dato, pero no se crean con una longitud determinada.</a:t>
+            </a:r>
+          </a:p>
+          <a:p>
+            <a:r>
+              <a:rPr lang="es-EC" sz="2000" dirty="0"/>
+              <a:t>Sobre estas estructuras dinámicas podemos realizar operaciones de añadir y eliminar elementos.</a:t>
+            </a:r>
+          </a:p>
+          <a:p>
+            <a:r>
+              <a:rPr lang="es-EC" sz="2000" dirty="0"/>
+              <a:t>En tiempo de ejecución el sistema operativo gestionará de forma adecuada la memoria a fin de poder manipular la estructura de forma correcta.</a:t>
             </a:r>
           </a:p>
         </p:txBody>
       </p:sp>
+      <p:pic>
+        <p:nvPicPr>
+          <p:cNvPr id="2050" name="Picture 2" descr="Java Collections – mvit-InnovacionTecnológica">
+            <a:extLst>
+              <a:ext uri="{FF2B5EF4-FFF2-40B4-BE49-F238E27FC236}">
+                <a16:creationId xmlns:a16="http://schemas.microsoft.com/office/drawing/2014/main" id="{3844D673-358C-06FF-9999-91A0ED15FE80}"/>
+              </a:ext>
+            </a:extLst>
+          </p:cNvPr>
+          <p:cNvPicPr>
+            <a:picLocks noChangeAspect="1" noChangeArrowheads="1"/>
+          </p:cNvPicPr>
+          <p:nvPr/>
+        </p:nvPicPr>
+        <p:blipFill>
+          <a:blip r:embed="rId2">
+            <a:extLst>
+              <a:ext uri="{28A0092B-C50C-407E-A947-70E740481C1C}">
+                <a14:useLocalDpi xmlns:a14="http://schemas.microsoft.com/office/drawing/2010/main" val="0"/>
+              </a:ext>
+            </a:extLst>
+          </a:blip>
+          <a:srcRect/>
+          <a:stretch>
+            <a:fillRect/>
+          </a:stretch>
+        </p:blipFill>
+        <p:spPr bwMode="auto">
+          <a:xfrm>
+            <a:off x="3590925" y="3818358"/>
+            <a:ext cx="5010150" cy="2076450"/>
+          </a:xfrm>
+          <a:prstGeom prst="rect">
+            <a:avLst/>
+          </a:prstGeom>
+          <a:noFill/>
+          <a:extLst>
+            <a:ext uri="{909E8E84-426E-40DD-AFC4-6F175D3DCCD1}">
+              <a14:hiddenFill xmlns:a14="http://schemas.microsoft.com/office/drawing/2010/main">
+                <a:solidFill>
+                  <a:srgbClr val="FFFFFF"/>
+                </a:solidFill>
+              </a14:hiddenFill>
+            </a:ext>
+          </a:extLst>
+        </p:spPr>
+      </p:pic>
     </p:spTree>
     <p:extLst>
       <p:ext uri="{BB962C8B-B14F-4D97-AF65-F5344CB8AC3E}">
-        <p14:creationId xmlns:p14="http://schemas.microsoft.com/office/powerpoint/2010/main" val="4146311417"/>
+        <p14:creationId xmlns:p14="http://schemas.microsoft.com/office/powerpoint/2010/main" val="2564302099"/>
       </p:ext>
     </p:extLst>
   </p:cSld>
@@ -2220,7 +2115,7 @@
           <a:p>
             <a:r>
               <a:rPr lang="es-EC" sz="3200" b="1" dirty="0"/>
-              <a:t>12. Sentencias de control</a:t>
+              <a:t>12. Colecciones</a:t>
             </a:r>
           </a:p>
         </p:txBody>
@@ -2255,39 +2150,27 @@
           <a:p>
             <a:r>
               <a:rPr lang="es-EC" sz="2000" dirty="0"/>
-              <a:t>Existen sentencias de control especializadas que pueden ser empleadas para recorrer una colección, como por ejemplo vectores, matrices y arreglos dinámicos.</a:t>
-            </a:r>
-          </a:p>
-          <a:p>
-            <a:r>
-              <a:rPr lang="es-EC" sz="2000" dirty="0"/>
-              <a:t>Por cada elemento que conforma la colección, una iteración del bucle va a permitir la gestión de dicho elemento para dar solución a un problema específico.</a:t>
-            </a:r>
-          </a:p>
-          <a:p>
-            <a:r>
-              <a:rPr lang="es-EC" sz="2000" dirty="0"/>
-              <a:t>Este mecanismo ofrece cierta flexibilidad sobre el uso de sentencias de control tradicionales como un bucle </a:t>
+              <a:t>Una colección comprende un conjunto de dos o más elementos.</a:t>
+            </a:r>
+          </a:p>
+          <a:p>
+            <a:r>
+              <a:rPr lang="es-EC" sz="2000" dirty="0"/>
+              <a:t>Pueden ser definidas tradicionalmente a través de vectores y matrices.</a:t>
+            </a:r>
+          </a:p>
+          <a:p>
+            <a:r>
+              <a:rPr lang="es-EC" sz="2000" b="1" dirty="0"/>
+              <a:t>Vector: </a:t>
+            </a:r>
+            <a:r>
+              <a:rPr lang="es-EC" sz="2000" dirty="0"/>
+              <a:t>arreglo </a:t>
             </a:r>
             <a:r>
               <a:rPr lang="es-EC" sz="2000" dirty="0" err="1"/>
-              <a:t>while</a:t>
-            </a:r>
-            <a:r>
-              <a:rPr lang="es-EC" sz="2000" dirty="0"/>
-              <a:t>, un bucle do-</a:t>
-            </a:r>
-            <a:r>
-              <a:rPr lang="es-EC" sz="2000" dirty="0" err="1"/>
-              <a:t>while</a:t>
-            </a:r>
-            <a:r>
-              <a:rPr lang="es-EC" sz="2000" dirty="0"/>
-              <a:t> e incluso el mismo bucle </a:t>
-            </a:r>
-            <a:r>
-              <a:rPr lang="es-EC" sz="2000" dirty="0" err="1"/>
-              <a:t>for</a:t>
+              <a:t>unidimensinal</a:t>
             </a:r>
             <a:r>
               <a:rPr lang="es-EC" sz="2000" dirty="0"/>
@@ -2296,63 +2179,52 @@
           </a:p>
           <a:p>
             <a:r>
-              <a:rPr lang="es-EC" sz="2000" dirty="0"/>
-              <a:t>Sin embargo, debe notarse que los bucles tradicionales también son útiles y pueden cumplir el mismo propósito aunque con un mayor esfuerzo de implementación.</a:t>
+              <a:rPr lang="es-EC" sz="2000" b="1" dirty="0"/>
+              <a:t>Matriz: </a:t>
+            </a:r>
+            <a:r>
+              <a:rPr lang="es-EC" sz="2000" dirty="0"/>
+              <a:t>arreglo bidimensional.</a:t>
+            </a:r>
+          </a:p>
+          <a:p>
+            <a:r>
+              <a:rPr lang="es-EC" sz="2000" dirty="0"/>
+              <a:t>Sin embargo, este enfoque tradicional está limitado al limitar las dimensiones del arreglo.</a:t>
+            </a:r>
+          </a:p>
+          <a:p>
+            <a:r>
+              <a:rPr lang="es-EC" sz="2000" dirty="0"/>
+              <a:t>Una solución comprende entonces el uso de colecciones dinámicas: </a:t>
+            </a:r>
+            <a:r>
+              <a:rPr lang="es-EC" sz="2000" b="1" dirty="0" err="1"/>
+              <a:t>ArrayList</a:t>
+            </a:r>
+            <a:r>
+              <a:rPr lang="es-EC" sz="2000" b="1" dirty="0"/>
+              <a:t>.</a:t>
+            </a:r>
+          </a:p>
+          <a:p>
+            <a:r>
+              <a:rPr lang="es-EC" sz="2000" dirty="0"/>
+              <a:t>Dentro del arreglo dinámico se podrá almacenar cualquier tipo de dato, incluso objetos.</a:t>
+            </a:r>
+          </a:p>
+          <a:p>
+            <a:r>
+              <a:rPr lang="es-EC" sz="2000" dirty="0"/>
+              <a:t>Sin embargo, en Java los datos deberán ser siempre del mismo tipo. </a:t>
             </a:r>
           </a:p>
         </p:txBody>
       </p:sp>
-      <p:pic>
-        <p:nvPicPr>
-          <p:cNvPr id="3074" name="Picture 2" descr="Java Foreach • Einfach erklärt mit Beispielen · [mit Video]">
-            <a:extLst>
-              <a:ext uri="{FF2B5EF4-FFF2-40B4-BE49-F238E27FC236}">
-                <a16:creationId xmlns:a16="http://schemas.microsoft.com/office/drawing/2014/main" id="{CF6F2BC2-1CBF-0161-4F27-D334E91CEE51}"/>
-              </a:ext>
-            </a:extLst>
-          </p:cNvPr>
-          <p:cNvPicPr>
-            <a:picLocks noChangeAspect="1" noChangeArrowheads="1"/>
-          </p:cNvPicPr>
-          <p:nvPr/>
-        </p:nvPicPr>
-        <p:blipFill>
-          <a:blip r:embed="rId2">
-            <a:extLst>
-              <a:ext uri="{28A0092B-C50C-407E-A947-70E740481C1C}">
-                <a14:useLocalDpi xmlns:a14="http://schemas.microsoft.com/office/drawing/2010/main" val="0"/>
-              </a:ext>
-            </a:extLst>
-          </a:blip>
-          <a:srcRect/>
-          <a:stretch>
-            <a:fillRect/>
-          </a:stretch>
-        </p:blipFill>
-        <p:spPr bwMode="auto">
-          <a:xfrm>
-            <a:off x="4683968" y="4633813"/>
-            <a:ext cx="3788229" cy="2130879"/>
-          </a:xfrm>
-          <a:prstGeom prst="rect">
-            <a:avLst/>
-          </a:prstGeom>
-          <a:noFill/>
-          <a:extLst>
-            <a:ext uri="{909E8E84-426E-40DD-AFC4-6F175D3DCCD1}">
-              <a14:hiddenFill xmlns:a14="http://schemas.microsoft.com/office/drawing/2010/main">
-                <a:solidFill>
-                  <a:srgbClr val="FFFFFF"/>
-                </a:solidFill>
-              </a14:hiddenFill>
-            </a:ext>
-          </a:extLst>
-        </p:spPr>
-      </p:pic>
     </p:spTree>
     <p:extLst>
       <p:ext uri="{BB962C8B-B14F-4D97-AF65-F5344CB8AC3E}">
-        <p14:creationId xmlns:p14="http://schemas.microsoft.com/office/powerpoint/2010/main" val="811173803"/>
+        <p14:creationId xmlns:p14="http://schemas.microsoft.com/office/powerpoint/2010/main" val="4146311417"/>
       </p:ext>
     </p:extLst>
   </p:cSld>
@@ -2409,6 +2281,195 @@
           <a:p>
             <a:r>
               <a:rPr lang="es-EC" sz="3200" b="1" dirty="0"/>
+              <a:t>12. Sentencias de control</a:t>
+            </a:r>
+          </a:p>
+        </p:txBody>
+      </p:sp>
+      <p:sp>
+        <p:nvSpPr>
+          <p:cNvPr id="3" name="Marcador de contenido 2">
+            <a:extLst>
+              <a:ext uri="{FF2B5EF4-FFF2-40B4-BE49-F238E27FC236}">
+                <a16:creationId xmlns:a16="http://schemas.microsoft.com/office/drawing/2014/main" id="{055CBC30-9FA5-4F46-97C3-766A43887EE6}"/>
+              </a:ext>
+            </a:extLst>
+          </p:cNvPr>
+          <p:cNvSpPr>
+            <a:spLocks noGrp="1"/>
+          </p:cNvSpPr>
+          <p:nvPr>
+            <p:ph idx="4294967295"/>
+          </p:nvPr>
+        </p:nvSpPr>
+        <p:spPr>
+          <a:xfrm>
+            <a:off x="492369" y="1825625"/>
+            <a:ext cx="11218985" cy="4351338"/>
+          </a:xfrm>
+        </p:spPr>
+        <p:txBody>
+          <a:bodyPr>
+            <a:normAutofit/>
+          </a:bodyPr>
+          <a:lstStyle/>
+          <a:p>
+            <a:r>
+              <a:rPr lang="es-EC" sz="2000" dirty="0"/>
+              <a:t>Existen sentencias de control especializadas que pueden ser empleadas para recorrer una colección, como por ejemplo vectores, matrices y arreglos dinámicos.</a:t>
+            </a:r>
+          </a:p>
+          <a:p>
+            <a:r>
+              <a:rPr lang="es-EC" sz="2000" dirty="0"/>
+              <a:t>Por cada elemento que conforma la colección, una iteración del bucle va a permitir la gestión de dicho elemento para dar solución a un problema específico.</a:t>
+            </a:r>
+          </a:p>
+          <a:p>
+            <a:r>
+              <a:rPr lang="es-EC" sz="2000" dirty="0"/>
+              <a:t>Este mecanismo ofrece cierta flexibilidad sobre el uso de sentencias de control tradicionales como un bucle </a:t>
+            </a:r>
+            <a:r>
+              <a:rPr lang="es-EC" sz="2000" dirty="0" err="1"/>
+              <a:t>while</a:t>
+            </a:r>
+            <a:r>
+              <a:rPr lang="es-EC" sz="2000" dirty="0"/>
+              <a:t>, un bucle do-</a:t>
+            </a:r>
+            <a:r>
+              <a:rPr lang="es-EC" sz="2000" dirty="0" err="1"/>
+              <a:t>while</a:t>
+            </a:r>
+            <a:r>
+              <a:rPr lang="es-EC" sz="2000" dirty="0"/>
+              <a:t> e incluso el mismo bucle </a:t>
+            </a:r>
+            <a:r>
+              <a:rPr lang="es-EC" sz="2000" dirty="0" err="1"/>
+              <a:t>for</a:t>
+            </a:r>
+            <a:r>
+              <a:rPr lang="es-EC" sz="2000" dirty="0"/>
+              <a:t>.</a:t>
+            </a:r>
+          </a:p>
+          <a:p>
+            <a:r>
+              <a:rPr lang="es-EC" sz="2000" dirty="0"/>
+              <a:t>Sin embargo, debe notarse que los bucles tradicionales también son útiles y pueden cumplir el mismo propósito aunque con un mayor esfuerzo de implementación.</a:t>
+            </a:r>
+          </a:p>
+        </p:txBody>
+      </p:sp>
+      <p:pic>
+        <p:nvPicPr>
+          <p:cNvPr id="3074" name="Picture 2" descr="Java Foreach • Einfach erklärt mit Beispielen · [mit Video]">
+            <a:extLst>
+              <a:ext uri="{FF2B5EF4-FFF2-40B4-BE49-F238E27FC236}">
+                <a16:creationId xmlns:a16="http://schemas.microsoft.com/office/drawing/2014/main" id="{CF6F2BC2-1CBF-0161-4F27-D334E91CEE51}"/>
+              </a:ext>
+            </a:extLst>
+          </p:cNvPr>
+          <p:cNvPicPr>
+            <a:picLocks noChangeAspect="1" noChangeArrowheads="1"/>
+          </p:cNvPicPr>
+          <p:nvPr/>
+        </p:nvPicPr>
+        <p:blipFill>
+          <a:blip r:embed="rId2">
+            <a:extLst>
+              <a:ext uri="{28A0092B-C50C-407E-A947-70E740481C1C}">
+                <a14:useLocalDpi xmlns:a14="http://schemas.microsoft.com/office/drawing/2010/main" val="0"/>
+              </a:ext>
+            </a:extLst>
+          </a:blip>
+          <a:srcRect/>
+          <a:stretch>
+            <a:fillRect/>
+          </a:stretch>
+        </p:blipFill>
+        <p:spPr bwMode="auto">
+          <a:xfrm>
+            <a:off x="4683968" y="4633813"/>
+            <a:ext cx="3788229" cy="2130879"/>
+          </a:xfrm>
+          <a:prstGeom prst="rect">
+            <a:avLst/>
+          </a:prstGeom>
+          <a:noFill/>
+          <a:extLst>
+            <a:ext uri="{909E8E84-426E-40DD-AFC4-6F175D3DCCD1}">
+              <a14:hiddenFill xmlns:a14="http://schemas.microsoft.com/office/drawing/2010/main">
+                <a:solidFill>
+                  <a:srgbClr val="FFFFFF"/>
+                </a:solidFill>
+              </a14:hiddenFill>
+            </a:ext>
+          </a:extLst>
+        </p:spPr>
+      </p:pic>
+    </p:spTree>
+    <p:extLst>
+      <p:ext uri="{BB962C8B-B14F-4D97-AF65-F5344CB8AC3E}">
+        <p14:creationId xmlns:p14="http://schemas.microsoft.com/office/powerpoint/2010/main" val="811173803"/>
+      </p:ext>
+    </p:extLst>
+  </p:cSld>
+  <p:clrMapOvr>
+    <a:masterClrMapping/>
+  </p:clrMapOvr>
+</p:sld>
+</file>
+
+<file path=ppt/slides/slide18.xml><?xml version="1.0" encoding="utf-8"?>
+<p:sld xmlns:a="http://schemas.openxmlformats.org/drawingml/2006/main" xmlns:r="http://schemas.openxmlformats.org/officeDocument/2006/relationships" xmlns:p="http://schemas.openxmlformats.org/presentationml/2006/main">
+  <p:cSld>
+    <p:spTree>
+      <p:nvGrpSpPr>
+        <p:cNvPr id="1" name=""/>
+        <p:cNvGrpSpPr/>
+        <p:nvPr/>
+      </p:nvGrpSpPr>
+      <p:grpSpPr>
+        <a:xfrm>
+          <a:off x="0" y="0"/>
+          <a:ext cx="0" cy="0"/>
+          <a:chOff x="0" y="0"/>
+          <a:chExt cx="0" cy="0"/>
+        </a:xfrm>
+      </p:grpSpPr>
+      <p:sp>
+        <p:nvSpPr>
+          <p:cNvPr id="2" name="Título 1">
+            <a:extLst>
+              <a:ext uri="{FF2B5EF4-FFF2-40B4-BE49-F238E27FC236}">
+                <a16:creationId xmlns:a16="http://schemas.microsoft.com/office/drawing/2014/main" id="{B8ABAACC-5240-4E68-A4E9-ACA6E7A4B0A2}"/>
+              </a:ext>
+            </a:extLst>
+          </p:cNvPr>
+          <p:cNvSpPr>
+            <a:spLocks noGrp="1"/>
+          </p:cNvSpPr>
+          <p:nvPr>
+            <p:ph type="title" idx="4294967295"/>
+          </p:nvPr>
+        </p:nvSpPr>
+        <p:spPr>
+          <a:xfrm>
+            <a:off x="492369" y="1395046"/>
+            <a:ext cx="11218985" cy="295642"/>
+          </a:xfrm>
+        </p:spPr>
+        <p:txBody>
+          <a:bodyPr>
+            <a:noAutofit/>
+          </a:bodyPr>
+          <a:lstStyle/>
+          <a:p>
+            <a:r>
+              <a:rPr lang="es-EC" sz="3200" b="1" dirty="0"/>
               <a:t>13. Manejo de excepciones</a:t>
             </a:r>
           </a:p>
@@ -2565,7 +2626,7 @@
 </p:sld>
 </file>
 
-<file path=ppt/slides/slide18.xml><?xml version="1.0" encoding="utf-8"?>
+<file path=ppt/slides/slide19.xml><?xml version="1.0" encoding="utf-8"?>
 <p:sld xmlns:a="http://schemas.openxmlformats.org/drawingml/2006/main" xmlns:r="http://schemas.openxmlformats.org/officeDocument/2006/relationships" xmlns:p="http://schemas.openxmlformats.org/presentationml/2006/main">
   <p:cSld>
     <p:spTree>

--- a/Clases software/Unidades3y4.pptx
+++ b/Clases software/Unidades3y4.pptx
@@ -230,7 +230,7 @@
           <a:p>
             <a:fld id="{7FF7D7FF-DDC7-474C-8526-899954A31AD1}" type="datetimeFigureOut">
               <a:rPr lang="es-EC" smtClean="0"/>
-              <a:t>19/12/2023</a:t>
+              <a:t>10/1/2024</a:t>
             </a:fld>
             <a:endParaRPr lang="es-EC"/>
           </a:p>
@@ -656,7 +656,7 @@
           <a:p>
             <a:fld id="{8FEB83C7-CE7D-EE43-931B-A983B2AE7CF3}" type="datetimeFigureOut">
               <a:rPr lang="es-EC" smtClean="0"/>
-              <a:t>19/12/2023</a:t>
+              <a:t>10/1/2024</a:t>
             </a:fld>
             <a:endParaRPr lang="es-EC"/>
           </a:p>
@@ -1948,7 +1948,7 @@
           <a:p>
             <a:r>
               <a:rPr lang="es-EC" sz="3200" b="1" dirty="0"/>
-              <a:t>11. Estructuras de datos dinámicas</a:t>
+              <a:t>1. Estructuras de datos dinámicas</a:t>
             </a:r>
           </a:p>
         </p:txBody>
@@ -2115,7 +2115,7 @@
           <a:p>
             <a:r>
               <a:rPr lang="es-EC" sz="3200" b="1" dirty="0"/>
-              <a:t>12. Colecciones</a:t>
+              <a:t>2. Colecciones</a:t>
             </a:r>
           </a:p>
         </p:txBody>
@@ -2281,7 +2281,7 @@
           <a:p>
             <a:r>
               <a:rPr lang="es-EC" sz="3200" b="1" dirty="0"/>
-              <a:t>12. Sentencias de control</a:t>
+              <a:t>3. Sentencias de control</a:t>
             </a:r>
           </a:p>
         </p:txBody>
@@ -2470,7 +2470,7 @@
           <a:p>
             <a:r>
               <a:rPr lang="es-EC" sz="3200" b="1" dirty="0"/>
-              <a:t>13. Manejo de excepciones</a:t>
+              <a:t>4. Manejo de excepciones</a:t>
             </a:r>
           </a:p>
         </p:txBody>

--- a/Clases software/Unidades3y4.pptx
+++ b/Clases software/Unidades3y4.pptx
@@ -4,8 +4,11 @@
   <p:sldMasterIdLst>
     <p:sldMasterId id="2147483648" r:id="rId1"/>
   </p:sldMasterIdLst>
+  <p:notesMasterIdLst>
+    <p:notesMasterId r:id="rId21"/>
+  </p:notesMasterIdLst>
   <p:handoutMasterIdLst>
-    <p:handoutMasterId r:id="rId21"/>
+    <p:handoutMasterId r:id="rId22"/>
   </p:handoutMasterIdLst>
   <p:sldIdLst>
     <p:sldId id="256" r:id="rId2"/>
@@ -230,7 +233,7 @@
           <a:p>
             <a:fld id="{7FF7D7FF-DDC7-474C-8526-899954A31AD1}" type="datetimeFigureOut">
               <a:rPr lang="es-EC" smtClean="0"/>
-              <a:t>10/1/2024</a:t>
+              <a:t>23/1/2024</a:t>
             </a:fld>
             <a:endParaRPr lang="es-EC"/>
           </a:p>
@@ -323,6 +326,440 @@
   </p:cSld>
   <p:clrMap bg1="lt1" tx1="dk1" bg2="lt2" tx2="dk2" accent1="accent1" accent2="accent2" accent3="accent3" accent4="accent4" accent5="accent5" accent6="accent6" hlink="hlink" folHlink="folHlink"/>
 </p:handoutMaster>
+</file>
+
+<file path=ppt/notesMasters/notesMaster1.xml><?xml version="1.0" encoding="utf-8"?>
+<p:notesMaster xmlns:a="http://schemas.openxmlformats.org/drawingml/2006/main" xmlns:r="http://schemas.openxmlformats.org/officeDocument/2006/relationships" xmlns:p="http://schemas.openxmlformats.org/presentationml/2006/main">
+  <p:cSld>
+    <p:bg>
+      <p:bgRef idx="1001">
+        <a:schemeClr val="bg1"/>
+      </p:bgRef>
+    </p:bg>
+    <p:spTree>
+      <p:nvGrpSpPr>
+        <p:cNvPr id="1" name=""/>
+        <p:cNvGrpSpPr/>
+        <p:nvPr/>
+      </p:nvGrpSpPr>
+      <p:grpSpPr>
+        <a:xfrm>
+          <a:off x="0" y="0"/>
+          <a:ext cx="0" cy="0"/>
+          <a:chOff x="0" y="0"/>
+          <a:chExt cx="0" cy="0"/>
+        </a:xfrm>
+      </p:grpSpPr>
+      <p:sp>
+        <p:nvSpPr>
+          <p:cNvPr id="2" name="Marcador de encabezado 1"/>
+          <p:cNvSpPr>
+            <a:spLocks noGrp="1"/>
+          </p:cNvSpPr>
+          <p:nvPr>
+            <p:ph type="hdr" sz="quarter"/>
+          </p:nvPr>
+        </p:nvSpPr>
+        <p:spPr>
+          <a:xfrm>
+            <a:off x="0" y="0"/>
+            <a:ext cx="2971800" cy="458788"/>
+          </a:xfrm>
+          <a:prstGeom prst="rect">
+            <a:avLst/>
+          </a:prstGeom>
+        </p:spPr>
+        <p:txBody>
+          <a:bodyPr vert="horz" lIns="91440" tIns="45720" rIns="91440" bIns="45720" rtlCol="0"/>
+          <a:lstStyle>
+            <a:lvl1pPr algn="l">
+              <a:defRPr sz="1200"/>
+            </a:lvl1pPr>
+          </a:lstStyle>
+          <a:p>
+            <a:endParaRPr lang="es-419"/>
+          </a:p>
+        </p:txBody>
+      </p:sp>
+      <p:sp>
+        <p:nvSpPr>
+          <p:cNvPr id="3" name="Marcador de fecha 2"/>
+          <p:cNvSpPr>
+            <a:spLocks noGrp="1"/>
+          </p:cNvSpPr>
+          <p:nvPr>
+            <p:ph type="dt" idx="1"/>
+          </p:nvPr>
+        </p:nvSpPr>
+        <p:spPr>
+          <a:xfrm>
+            <a:off x="3884613" y="0"/>
+            <a:ext cx="2971800" cy="458788"/>
+          </a:xfrm>
+          <a:prstGeom prst="rect">
+            <a:avLst/>
+          </a:prstGeom>
+        </p:spPr>
+        <p:txBody>
+          <a:bodyPr vert="horz" lIns="91440" tIns="45720" rIns="91440" bIns="45720" rtlCol="0"/>
+          <a:lstStyle>
+            <a:lvl1pPr algn="r">
+              <a:defRPr sz="1200"/>
+            </a:lvl1pPr>
+          </a:lstStyle>
+          <a:p>
+            <a:fld id="{4E91B079-8ED2-466B-8600-68CF5B27E81C}" type="datetimeFigureOut">
+              <a:rPr lang="es-419" smtClean="0"/>
+              <a:t>23/1/2024</a:t>
+            </a:fld>
+            <a:endParaRPr lang="es-419"/>
+          </a:p>
+        </p:txBody>
+      </p:sp>
+      <p:sp>
+        <p:nvSpPr>
+          <p:cNvPr id="4" name="Marcador de imagen de diapositiva 3"/>
+          <p:cNvSpPr>
+            <a:spLocks noGrp="1" noRot="1" noChangeAspect="1"/>
+          </p:cNvSpPr>
+          <p:nvPr>
+            <p:ph type="sldImg" idx="2"/>
+          </p:nvPr>
+        </p:nvSpPr>
+        <p:spPr>
+          <a:xfrm>
+            <a:off x="685800" y="1143000"/>
+            <a:ext cx="5486400" cy="3086100"/>
+          </a:xfrm>
+          <a:prstGeom prst="rect">
+            <a:avLst/>
+          </a:prstGeom>
+          <a:noFill/>
+          <a:ln w="12700">
+            <a:solidFill>
+              <a:prstClr val="black"/>
+            </a:solidFill>
+          </a:ln>
+        </p:spPr>
+        <p:txBody>
+          <a:bodyPr vert="horz" lIns="91440" tIns="45720" rIns="91440" bIns="45720" rtlCol="0" anchor="ctr"/>
+          <a:lstStyle/>
+          <a:p>
+            <a:endParaRPr lang="es-419"/>
+          </a:p>
+        </p:txBody>
+      </p:sp>
+      <p:sp>
+        <p:nvSpPr>
+          <p:cNvPr id="5" name="Marcador de notas 4"/>
+          <p:cNvSpPr>
+            <a:spLocks noGrp="1"/>
+          </p:cNvSpPr>
+          <p:nvPr>
+            <p:ph type="body" sz="quarter" idx="3"/>
+          </p:nvPr>
+        </p:nvSpPr>
+        <p:spPr>
+          <a:xfrm>
+            <a:off x="685800" y="4400550"/>
+            <a:ext cx="5486400" cy="3600450"/>
+          </a:xfrm>
+          <a:prstGeom prst="rect">
+            <a:avLst/>
+          </a:prstGeom>
+        </p:spPr>
+        <p:txBody>
+          <a:bodyPr vert="horz" lIns="91440" tIns="45720" rIns="91440" bIns="45720" rtlCol="0"/>
+          <a:lstStyle/>
+          <a:p>
+            <a:pPr lvl="0"/>
+            <a:r>
+              <a:rPr lang="es-ES"/>
+              <a:t>Haga clic para modificar los estilos de texto del patrón</a:t>
+            </a:r>
+          </a:p>
+          <a:p>
+            <a:pPr lvl="1"/>
+            <a:r>
+              <a:rPr lang="es-ES"/>
+              <a:t>Segundo nivel</a:t>
+            </a:r>
+          </a:p>
+          <a:p>
+            <a:pPr lvl="2"/>
+            <a:r>
+              <a:rPr lang="es-ES"/>
+              <a:t>Tercer nivel</a:t>
+            </a:r>
+          </a:p>
+          <a:p>
+            <a:pPr lvl="3"/>
+            <a:r>
+              <a:rPr lang="es-ES"/>
+              <a:t>Cuarto nivel</a:t>
+            </a:r>
+          </a:p>
+          <a:p>
+            <a:pPr lvl="4"/>
+            <a:r>
+              <a:rPr lang="es-ES"/>
+              <a:t>Quinto nivel</a:t>
+            </a:r>
+            <a:endParaRPr lang="es-419"/>
+          </a:p>
+        </p:txBody>
+      </p:sp>
+      <p:sp>
+        <p:nvSpPr>
+          <p:cNvPr id="6" name="Marcador de pie de página 5"/>
+          <p:cNvSpPr>
+            <a:spLocks noGrp="1"/>
+          </p:cNvSpPr>
+          <p:nvPr>
+            <p:ph type="ftr" sz="quarter" idx="4"/>
+          </p:nvPr>
+        </p:nvSpPr>
+        <p:spPr>
+          <a:xfrm>
+            <a:off x="0" y="8685213"/>
+            <a:ext cx="2971800" cy="458787"/>
+          </a:xfrm>
+          <a:prstGeom prst="rect">
+            <a:avLst/>
+          </a:prstGeom>
+        </p:spPr>
+        <p:txBody>
+          <a:bodyPr vert="horz" lIns="91440" tIns="45720" rIns="91440" bIns="45720" rtlCol="0" anchor="b"/>
+          <a:lstStyle>
+            <a:lvl1pPr algn="l">
+              <a:defRPr sz="1200"/>
+            </a:lvl1pPr>
+          </a:lstStyle>
+          <a:p>
+            <a:endParaRPr lang="es-419"/>
+          </a:p>
+        </p:txBody>
+      </p:sp>
+      <p:sp>
+        <p:nvSpPr>
+          <p:cNvPr id="7" name="Marcador de número de diapositiva 6"/>
+          <p:cNvSpPr>
+            <a:spLocks noGrp="1"/>
+          </p:cNvSpPr>
+          <p:nvPr>
+            <p:ph type="sldNum" sz="quarter" idx="5"/>
+          </p:nvPr>
+        </p:nvSpPr>
+        <p:spPr>
+          <a:xfrm>
+            <a:off x="3884613" y="8685213"/>
+            <a:ext cx="2971800" cy="458787"/>
+          </a:xfrm>
+          <a:prstGeom prst="rect">
+            <a:avLst/>
+          </a:prstGeom>
+        </p:spPr>
+        <p:txBody>
+          <a:bodyPr vert="horz" lIns="91440" tIns="45720" rIns="91440" bIns="45720" rtlCol="0" anchor="b"/>
+          <a:lstStyle>
+            <a:lvl1pPr algn="r">
+              <a:defRPr sz="1200"/>
+            </a:lvl1pPr>
+          </a:lstStyle>
+          <a:p>
+            <a:fld id="{1B34FD39-02B0-42B1-9ADE-370D7A2F96B5}" type="slidenum">
+              <a:rPr lang="es-419" smtClean="0"/>
+              <a:t>‹Nº›</a:t>
+            </a:fld>
+            <a:endParaRPr lang="es-419"/>
+          </a:p>
+        </p:txBody>
+      </p:sp>
+    </p:spTree>
+    <p:extLst>
+      <p:ext uri="{BB962C8B-B14F-4D97-AF65-F5344CB8AC3E}">
+        <p14:creationId xmlns:p14="http://schemas.microsoft.com/office/powerpoint/2010/main" val="3620067680"/>
+      </p:ext>
+    </p:extLst>
+  </p:cSld>
+  <p:clrMap bg1="lt1" tx1="dk1" bg2="lt2" tx2="dk2" accent1="accent1" accent2="accent2" accent3="accent3" accent4="accent4" accent5="accent5" accent6="accent6" hlink="hlink" folHlink="folHlink"/>
+  <p:notesStyle>
+    <a:lvl1pPr marL="0" algn="l" defTabSz="914400" rtl="0" eaLnBrk="1" latinLnBrk="0" hangingPunct="1">
+      <a:defRPr sz="1200" kern="1200">
+        <a:solidFill>
+          <a:schemeClr val="tx1"/>
+        </a:solidFill>
+        <a:latin typeface="+mn-lt"/>
+        <a:ea typeface="+mn-ea"/>
+        <a:cs typeface="+mn-cs"/>
+      </a:defRPr>
+    </a:lvl1pPr>
+    <a:lvl2pPr marL="457200" algn="l" defTabSz="914400" rtl="0" eaLnBrk="1" latinLnBrk="0" hangingPunct="1">
+      <a:defRPr sz="1200" kern="1200">
+        <a:solidFill>
+          <a:schemeClr val="tx1"/>
+        </a:solidFill>
+        <a:latin typeface="+mn-lt"/>
+        <a:ea typeface="+mn-ea"/>
+        <a:cs typeface="+mn-cs"/>
+      </a:defRPr>
+    </a:lvl2pPr>
+    <a:lvl3pPr marL="914400" algn="l" defTabSz="914400" rtl="0" eaLnBrk="1" latinLnBrk="0" hangingPunct="1">
+      <a:defRPr sz="1200" kern="1200">
+        <a:solidFill>
+          <a:schemeClr val="tx1"/>
+        </a:solidFill>
+        <a:latin typeface="+mn-lt"/>
+        <a:ea typeface="+mn-ea"/>
+        <a:cs typeface="+mn-cs"/>
+      </a:defRPr>
+    </a:lvl3pPr>
+    <a:lvl4pPr marL="1371600" algn="l" defTabSz="914400" rtl="0" eaLnBrk="1" latinLnBrk="0" hangingPunct="1">
+      <a:defRPr sz="1200" kern="1200">
+        <a:solidFill>
+          <a:schemeClr val="tx1"/>
+        </a:solidFill>
+        <a:latin typeface="+mn-lt"/>
+        <a:ea typeface="+mn-ea"/>
+        <a:cs typeface="+mn-cs"/>
+      </a:defRPr>
+    </a:lvl4pPr>
+    <a:lvl5pPr marL="1828800" algn="l" defTabSz="914400" rtl="0" eaLnBrk="1" latinLnBrk="0" hangingPunct="1">
+      <a:defRPr sz="1200" kern="1200">
+        <a:solidFill>
+          <a:schemeClr val="tx1"/>
+        </a:solidFill>
+        <a:latin typeface="+mn-lt"/>
+        <a:ea typeface="+mn-ea"/>
+        <a:cs typeface="+mn-cs"/>
+      </a:defRPr>
+    </a:lvl5pPr>
+    <a:lvl6pPr marL="2286000" algn="l" defTabSz="914400" rtl="0" eaLnBrk="1" latinLnBrk="0" hangingPunct="1">
+      <a:defRPr sz="1200" kern="1200">
+        <a:solidFill>
+          <a:schemeClr val="tx1"/>
+        </a:solidFill>
+        <a:latin typeface="+mn-lt"/>
+        <a:ea typeface="+mn-ea"/>
+        <a:cs typeface="+mn-cs"/>
+      </a:defRPr>
+    </a:lvl6pPr>
+    <a:lvl7pPr marL="2743200" algn="l" defTabSz="914400" rtl="0" eaLnBrk="1" latinLnBrk="0" hangingPunct="1">
+      <a:defRPr sz="1200" kern="1200">
+        <a:solidFill>
+          <a:schemeClr val="tx1"/>
+        </a:solidFill>
+        <a:latin typeface="+mn-lt"/>
+        <a:ea typeface="+mn-ea"/>
+        <a:cs typeface="+mn-cs"/>
+      </a:defRPr>
+    </a:lvl7pPr>
+    <a:lvl8pPr marL="3200400" algn="l" defTabSz="914400" rtl="0" eaLnBrk="1" latinLnBrk="0" hangingPunct="1">
+      <a:defRPr sz="1200" kern="1200">
+        <a:solidFill>
+          <a:schemeClr val="tx1"/>
+        </a:solidFill>
+        <a:latin typeface="+mn-lt"/>
+        <a:ea typeface="+mn-ea"/>
+        <a:cs typeface="+mn-cs"/>
+      </a:defRPr>
+    </a:lvl8pPr>
+    <a:lvl9pPr marL="3657600" algn="l" defTabSz="914400" rtl="0" eaLnBrk="1" latinLnBrk="0" hangingPunct="1">
+      <a:defRPr sz="1200" kern="1200">
+        <a:solidFill>
+          <a:schemeClr val="tx1"/>
+        </a:solidFill>
+        <a:latin typeface="+mn-lt"/>
+        <a:ea typeface="+mn-ea"/>
+        <a:cs typeface="+mn-cs"/>
+      </a:defRPr>
+    </a:lvl9pPr>
+  </p:notesStyle>
+</p:notesMaster>
+</file>
+
+<file path=ppt/notesSlides/notesSlide1.xml><?xml version="1.0" encoding="utf-8"?>
+<p:notes xmlns:a="http://schemas.openxmlformats.org/drawingml/2006/main" xmlns:r="http://schemas.openxmlformats.org/officeDocument/2006/relationships" xmlns:p="http://schemas.openxmlformats.org/presentationml/2006/main">
+  <p:cSld>
+    <p:spTree>
+      <p:nvGrpSpPr>
+        <p:cNvPr id="1" name=""/>
+        <p:cNvGrpSpPr/>
+        <p:nvPr/>
+      </p:nvGrpSpPr>
+      <p:grpSpPr>
+        <a:xfrm>
+          <a:off x="0" y="0"/>
+          <a:ext cx="0" cy="0"/>
+          <a:chOff x="0" y="0"/>
+          <a:chExt cx="0" cy="0"/>
+        </a:xfrm>
+      </p:grpSpPr>
+      <p:sp>
+        <p:nvSpPr>
+          <p:cNvPr id="2" name="Marcador de imagen de diapositiva 1"/>
+          <p:cNvSpPr>
+            <a:spLocks noGrp="1" noRot="1" noChangeAspect="1"/>
+          </p:cNvSpPr>
+          <p:nvPr>
+            <p:ph type="sldImg"/>
+          </p:nvPr>
+        </p:nvSpPr>
+        <p:spPr/>
+      </p:sp>
+      <p:sp>
+        <p:nvSpPr>
+          <p:cNvPr id="3" name="Marcador de notas 2"/>
+          <p:cNvSpPr>
+            <a:spLocks noGrp="1"/>
+          </p:cNvSpPr>
+          <p:nvPr>
+            <p:ph type="body" idx="1"/>
+          </p:nvPr>
+        </p:nvSpPr>
+        <p:spPr/>
+        <p:txBody>
+          <a:bodyPr/>
+          <a:lstStyle/>
+          <a:p>
+            <a:endParaRPr lang="es-419" dirty="0"/>
+          </a:p>
+        </p:txBody>
+      </p:sp>
+      <p:sp>
+        <p:nvSpPr>
+          <p:cNvPr id="4" name="Marcador de número de diapositiva 3"/>
+          <p:cNvSpPr>
+            <a:spLocks noGrp="1"/>
+          </p:cNvSpPr>
+          <p:nvPr>
+            <p:ph type="sldNum" sz="quarter" idx="5"/>
+          </p:nvPr>
+        </p:nvSpPr>
+        <p:spPr/>
+        <p:txBody>
+          <a:bodyPr/>
+          <a:lstStyle/>
+          <a:p>
+            <a:fld id="{1B34FD39-02B0-42B1-9ADE-370D7A2F96B5}" type="slidenum">
+              <a:rPr lang="es-419" smtClean="0"/>
+              <a:t>15</a:t>
+            </a:fld>
+            <a:endParaRPr lang="es-419"/>
+          </a:p>
+        </p:txBody>
+      </p:sp>
+    </p:spTree>
+    <p:extLst>
+      <p:ext uri="{BB962C8B-B14F-4D97-AF65-F5344CB8AC3E}">
+        <p14:creationId xmlns:p14="http://schemas.microsoft.com/office/powerpoint/2010/main" val="2690860346"/>
+      </p:ext>
+    </p:extLst>
+  </p:cSld>
+  <p:clrMapOvr>
+    <a:masterClrMapping/>
+  </p:clrMapOvr>
+</p:notes>
 </file>
 
 <file path=ppt/slideLayouts/slideLayout1.xml><?xml version="1.0" encoding="utf-8"?>
@@ -656,7 +1093,7 @@
           <a:p>
             <a:fld id="{8FEB83C7-CE7D-EE43-931B-A983B2AE7CF3}" type="datetimeFigureOut">
               <a:rPr lang="es-EC" smtClean="0"/>
-              <a:t>10/1/2024</a:t>
+              <a:t>23/1/2024</a:t>
             </a:fld>
             <a:endParaRPr lang="es-EC"/>
           </a:p>
@@ -1986,12 +2423,8 @@
               <a:t>Estructuras de datos: </a:t>
             </a:r>
             <a:r>
-              <a:rPr lang="es-EC" sz="2000" dirty="0" err="1"/>
-              <a:t>Disposicón</a:t>
-            </a:r>
-            <a:r>
-              <a:rPr lang="es-EC" sz="2000" dirty="0"/>
-              <a:t> que almacena un determinado tipo de dato, pero no se crean con una longitud determinada.</a:t>
+              <a:rPr lang="es-EC" sz="2000" dirty="0"/>
+              <a:t>Disposición que almacena un determinado tipo de dato, pero no se crean con una longitud determinada.</a:t>
             </a:r>
           </a:p>
           <a:p>
@@ -2023,7 +2456,7 @@
           <p:nvPr/>
         </p:nvPicPr>
         <p:blipFill>
-          <a:blip r:embed="rId2">
+          <a:blip r:embed="rId3">
             <a:extLst>
               <a:ext uri="{28A0092B-C50C-407E-A947-70E740481C1C}">
                 <a14:useLocalDpi xmlns:a14="http://schemas.microsoft.com/office/drawing/2010/main" val="0"/>
@@ -4485,4 +4918,299 @@
     </a:ext>
   </a:extLst>
 </a:theme>
+</file>
+
+<file path=ppt/theme/theme3.xml><?xml version="1.0" encoding="utf-8"?>
+<a:theme xmlns:a="http://schemas.openxmlformats.org/drawingml/2006/main" name="Tema de Office">
+  <a:themeElements>
+    <a:clrScheme name="Office">
+      <a:dk1>
+        <a:sysClr val="windowText" lastClr="000000"/>
+      </a:dk1>
+      <a:lt1>
+        <a:sysClr val="window" lastClr="FFFFFF"/>
+      </a:lt1>
+      <a:dk2>
+        <a:srgbClr val="44546A"/>
+      </a:dk2>
+      <a:lt2>
+        <a:srgbClr val="E7E6E6"/>
+      </a:lt2>
+      <a:accent1>
+        <a:srgbClr val="4472C4"/>
+      </a:accent1>
+      <a:accent2>
+        <a:srgbClr val="ED7D31"/>
+      </a:accent2>
+      <a:accent3>
+        <a:srgbClr val="A5A5A5"/>
+      </a:accent3>
+      <a:accent4>
+        <a:srgbClr val="FFC000"/>
+      </a:accent4>
+      <a:accent5>
+        <a:srgbClr val="5B9BD5"/>
+      </a:accent5>
+      <a:accent6>
+        <a:srgbClr val="70AD47"/>
+      </a:accent6>
+      <a:hlink>
+        <a:srgbClr val="0563C1"/>
+      </a:hlink>
+      <a:folHlink>
+        <a:srgbClr val="954F72"/>
+      </a:folHlink>
+    </a:clrScheme>
+    <a:fontScheme name="Office">
+      <a:majorFont>
+        <a:latin typeface="Calibri Light" panose="020F0302020204030204"/>
+        <a:ea typeface=""/>
+        <a:cs typeface=""/>
+        <a:font script="Jpan" typeface="游ゴシック Light"/>
+        <a:font script="Hang" typeface="맑은 고딕"/>
+        <a:font script="Hans" typeface="等线 Light"/>
+        <a:font script="Hant" typeface="新細明體"/>
+        <a:font script="Arab" typeface="Times New Roman"/>
+        <a:font script="Hebr" typeface="Times New Roman"/>
+        <a:font script="Thai" typeface="Angsana New"/>
+        <a:font script="Ethi" typeface="Nyala"/>
+        <a:font script="Beng" typeface="Vrinda"/>
+        <a:font script="Gujr" typeface="Shruti"/>
+        <a:font script="Khmr" typeface="MoolBoran"/>
+        <a:font script="Knda" typeface="Tunga"/>
+        <a:font script="Guru" typeface="Raavi"/>
+        <a:font script="Cans" typeface="Euphemia"/>
+        <a:font script="Cher" typeface="Plantagenet Cherokee"/>
+        <a:font script="Yiii" typeface="Microsoft Yi Baiti"/>
+        <a:font script="Tibt" typeface="Microsoft Himalaya"/>
+        <a:font script="Thaa" typeface="MV Boli"/>
+        <a:font script="Deva" typeface="Mangal"/>
+        <a:font script="Telu" typeface="Gautami"/>
+        <a:font script="Taml" typeface="Latha"/>
+        <a:font script="Syrc" typeface="Estrangelo Edessa"/>
+        <a:font script="Orya" typeface="Kalinga"/>
+        <a:font script="Mlym" typeface="Kartika"/>
+        <a:font script="Laoo" typeface="DokChampa"/>
+        <a:font script="Sinh" typeface="Iskoola Pota"/>
+        <a:font script="Mong" typeface="Mongolian Baiti"/>
+        <a:font script="Viet" typeface="Times New Roman"/>
+        <a:font script="Uigh" typeface="Microsoft Uighur"/>
+        <a:font script="Geor" typeface="Sylfaen"/>
+        <a:font script="Armn" typeface="Arial"/>
+        <a:font script="Bugi" typeface="Leelawadee UI"/>
+        <a:font script="Bopo" typeface="Microsoft JhengHei"/>
+        <a:font script="Java" typeface="Javanese Text"/>
+        <a:font script="Lisu" typeface="Segoe UI"/>
+        <a:font script="Mymr" typeface="Myanmar Text"/>
+        <a:font script="Nkoo" typeface="Ebrima"/>
+        <a:font script="Olck" typeface="Nirmala UI"/>
+        <a:font script="Osma" typeface="Ebrima"/>
+        <a:font script="Phag" typeface="Phagspa"/>
+        <a:font script="Syrn" typeface="Estrangelo Edessa"/>
+        <a:font script="Syrj" typeface="Estrangelo Edessa"/>
+        <a:font script="Syre" typeface="Estrangelo Edessa"/>
+        <a:font script="Sora" typeface="Nirmala UI"/>
+        <a:font script="Tale" typeface="Microsoft Tai Le"/>
+        <a:font script="Talu" typeface="Microsoft New Tai Lue"/>
+        <a:font script="Tfng" typeface="Ebrima"/>
+      </a:majorFont>
+      <a:minorFont>
+        <a:latin typeface="Calibri" panose="020F0502020204030204"/>
+        <a:ea typeface=""/>
+        <a:cs typeface=""/>
+        <a:font script="Jpan" typeface="游ゴシック"/>
+        <a:font script="Hang" typeface="맑은 고딕"/>
+        <a:font script="Hans" typeface="等线"/>
+        <a:font script="Hant" typeface="新細明體"/>
+        <a:font script="Arab" typeface="Arial"/>
+        <a:font script="Hebr" typeface="Arial"/>
+        <a:font script="Thai" typeface="Cordia New"/>
+        <a:font script="Ethi" typeface="Nyala"/>
+        <a:font script="Beng" typeface="Vrinda"/>
+        <a:font script="Gujr" typeface="Shruti"/>
+        <a:font script="Khmr" typeface="DaunPenh"/>
+        <a:font script="Knda" typeface="Tunga"/>
+        <a:font script="Guru" typeface="Raavi"/>
+        <a:font script="Cans" typeface="Euphemia"/>
+        <a:font script="Cher" typeface="Plantagenet Cherokee"/>
+        <a:font script="Yiii" typeface="Microsoft Yi Baiti"/>
+        <a:font script="Tibt" typeface="Microsoft Himalaya"/>
+        <a:font script="Thaa" typeface="MV Boli"/>
+        <a:font script="Deva" typeface="Mangal"/>
+        <a:font script="Telu" typeface="Gautami"/>
+        <a:font script="Taml" typeface="Latha"/>
+        <a:font script="Syrc" typeface="Estrangelo Edessa"/>
+        <a:font script="Orya" typeface="Kalinga"/>
+        <a:font script="Mlym" typeface="Kartika"/>
+        <a:font script="Laoo" typeface="DokChampa"/>
+        <a:font script="Sinh" typeface="Iskoola Pota"/>
+        <a:font script="Mong" typeface="Mongolian Baiti"/>
+        <a:font script="Viet" typeface="Arial"/>
+        <a:font script="Uigh" typeface="Microsoft Uighur"/>
+        <a:font script="Geor" typeface="Sylfaen"/>
+        <a:font script="Armn" typeface="Arial"/>
+        <a:font script="Bugi" typeface="Leelawadee UI"/>
+        <a:font script="Bopo" typeface="Microsoft JhengHei"/>
+        <a:font script="Java" typeface="Javanese Text"/>
+        <a:font script="Lisu" typeface="Segoe UI"/>
+        <a:font script="Mymr" typeface="Myanmar Text"/>
+        <a:font script="Nkoo" typeface="Ebrima"/>
+        <a:font script="Olck" typeface="Nirmala UI"/>
+        <a:font script="Osma" typeface="Ebrima"/>
+        <a:font script="Phag" typeface="Phagspa"/>
+        <a:font script="Syrn" typeface="Estrangelo Edessa"/>
+        <a:font script="Syrj" typeface="Estrangelo Edessa"/>
+        <a:font script="Syre" typeface="Estrangelo Edessa"/>
+        <a:font script="Sora" typeface="Nirmala UI"/>
+        <a:font script="Tale" typeface="Microsoft Tai Le"/>
+        <a:font script="Talu" typeface="Microsoft New Tai Lue"/>
+        <a:font script="Tfng" typeface="Ebrima"/>
+      </a:minorFont>
+    </a:fontScheme>
+    <a:fmtScheme name="Office">
+      <a:fillStyleLst>
+        <a:solidFill>
+          <a:schemeClr val="phClr"/>
+        </a:solidFill>
+        <a:gradFill rotWithShape="1">
+          <a:gsLst>
+            <a:gs pos="0">
+              <a:schemeClr val="phClr">
+                <a:lumMod val="110000"/>
+                <a:satMod val="105000"/>
+                <a:tint val="67000"/>
+              </a:schemeClr>
+            </a:gs>
+            <a:gs pos="50000">
+              <a:schemeClr val="phClr">
+                <a:lumMod val="105000"/>
+                <a:satMod val="103000"/>
+                <a:tint val="73000"/>
+              </a:schemeClr>
+            </a:gs>
+            <a:gs pos="100000">
+              <a:schemeClr val="phClr">
+                <a:lumMod val="105000"/>
+                <a:satMod val="109000"/>
+                <a:tint val="81000"/>
+              </a:schemeClr>
+            </a:gs>
+          </a:gsLst>
+          <a:lin ang="5400000" scaled="0"/>
+        </a:gradFill>
+        <a:gradFill rotWithShape="1">
+          <a:gsLst>
+            <a:gs pos="0">
+              <a:schemeClr val="phClr">
+                <a:satMod val="103000"/>
+                <a:lumMod val="102000"/>
+                <a:tint val="94000"/>
+              </a:schemeClr>
+            </a:gs>
+            <a:gs pos="50000">
+              <a:schemeClr val="phClr">
+                <a:satMod val="110000"/>
+                <a:lumMod val="100000"/>
+                <a:shade val="100000"/>
+              </a:schemeClr>
+            </a:gs>
+            <a:gs pos="100000">
+              <a:schemeClr val="phClr">
+                <a:lumMod val="99000"/>
+                <a:satMod val="120000"/>
+                <a:shade val="78000"/>
+              </a:schemeClr>
+            </a:gs>
+          </a:gsLst>
+          <a:lin ang="5400000" scaled="0"/>
+        </a:gradFill>
+      </a:fillStyleLst>
+      <a:lnStyleLst>
+        <a:ln w="6350" cap="flat" cmpd="sng" algn="ctr">
+          <a:solidFill>
+            <a:schemeClr val="phClr"/>
+          </a:solidFill>
+          <a:prstDash val="solid"/>
+          <a:miter lim="800000"/>
+        </a:ln>
+        <a:ln w="12700" cap="flat" cmpd="sng" algn="ctr">
+          <a:solidFill>
+            <a:schemeClr val="phClr"/>
+          </a:solidFill>
+          <a:prstDash val="solid"/>
+          <a:miter lim="800000"/>
+        </a:ln>
+        <a:ln w="19050" cap="flat" cmpd="sng" algn="ctr">
+          <a:solidFill>
+            <a:schemeClr val="phClr"/>
+          </a:solidFill>
+          <a:prstDash val="solid"/>
+          <a:miter lim="800000"/>
+        </a:ln>
+      </a:lnStyleLst>
+      <a:effectStyleLst>
+        <a:effectStyle>
+          <a:effectLst/>
+        </a:effectStyle>
+        <a:effectStyle>
+          <a:effectLst/>
+        </a:effectStyle>
+        <a:effectStyle>
+          <a:effectLst>
+            <a:outerShdw blurRad="57150" dist="19050" dir="5400000" algn="ctr" rotWithShape="0">
+              <a:srgbClr val="000000">
+                <a:alpha val="63000"/>
+              </a:srgbClr>
+            </a:outerShdw>
+          </a:effectLst>
+        </a:effectStyle>
+      </a:effectStyleLst>
+      <a:bgFillStyleLst>
+        <a:solidFill>
+          <a:schemeClr val="phClr"/>
+        </a:solidFill>
+        <a:solidFill>
+          <a:schemeClr val="phClr">
+            <a:tint val="95000"/>
+            <a:satMod val="170000"/>
+          </a:schemeClr>
+        </a:solidFill>
+        <a:gradFill rotWithShape="1">
+          <a:gsLst>
+            <a:gs pos="0">
+              <a:schemeClr val="phClr">
+                <a:tint val="93000"/>
+                <a:satMod val="150000"/>
+                <a:shade val="98000"/>
+                <a:lumMod val="102000"/>
+              </a:schemeClr>
+            </a:gs>
+            <a:gs pos="50000">
+              <a:schemeClr val="phClr">
+                <a:tint val="98000"/>
+                <a:satMod val="130000"/>
+                <a:shade val="90000"/>
+                <a:lumMod val="103000"/>
+              </a:schemeClr>
+            </a:gs>
+            <a:gs pos="100000">
+              <a:schemeClr val="phClr">
+                <a:shade val="63000"/>
+                <a:satMod val="120000"/>
+              </a:schemeClr>
+            </a:gs>
+          </a:gsLst>
+          <a:lin ang="5400000" scaled="0"/>
+        </a:gradFill>
+      </a:bgFillStyleLst>
+    </a:fmtScheme>
+  </a:themeElements>
+  <a:objectDefaults/>
+  <a:extraClrSchemeLst/>
+  <a:extLst>
+    <a:ext uri="{05A4C25C-085E-4340-85A3-A5531E510DB2}">
+      <thm15:themeFamily xmlns:thm15="http://schemas.microsoft.com/office/thememl/2012/main" name="Office Theme" id="{62F939B6-93AF-4DB8-9C6B-D6C7DFDC589F}" vid="{4A3C46E8-61CC-4603-A589-7422A47A8E4A}"/>
+    </a:ext>
+  </a:extLst>
+</a:theme>
 </file>